--- a/TEAM SSN - Final Project Demo _ DMDD.pptx
+++ b/TEAM SSN - Final Project Demo _ DMDD.pptx
@@ -5,54 +5,56 @@
     <p:sldMasterId id="2147483702" r:id="rId1"/>
   </p:sldMasterIdLst>
   <p:notesMasterIdLst>
-    <p:notesMasterId r:id="rId27"/>
+    <p:notesMasterId r:id="rId29"/>
   </p:notesMasterIdLst>
   <p:sldIdLst>
     <p:sldId id="256" r:id="rId2"/>
     <p:sldId id="258" r:id="rId3"/>
     <p:sldId id="288" r:id="rId4"/>
-    <p:sldId id="290" r:id="rId5"/>
-    <p:sldId id="299" r:id="rId6"/>
-    <p:sldId id="300" r:id="rId7"/>
-    <p:sldId id="291" r:id="rId8"/>
-    <p:sldId id="292" r:id="rId9"/>
-    <p:sldId id="301" r:id="rId10"/>
-    <p:sldId id="293" r:id="rId11"/>
-    <p:sldId id="302" r:id="rId12"/>
-    <p:sldId id="295" r:id="rId13"/>
-    <p:sldId id="303" r:id="rId14"/>
-    <p:sldId id="296" r:id="rId15"/>
-    <p:sldId id="304" r:id="rId16"/>
-    <p:sldId id="297" r:id="rId17"/>
-    <p:sldId id="305" r:id="rId18"/>
-    <p:sldId id="306" r:id="rId19"/>
-    <p:sldId id="307" r:id="rId20"/>
-    <p:sldId id="308" r:id="rId21"/>
-    <p:sldId id="298" r:id="rId22"/>
-    <p:sldId id="314" r:id="rId23"/>
-    <p:sldId id="315" r:id="rId24"/>
-    <p:sldId id="313" r:id="rId25"/>
-    <p:sldId id="309" r:id="rId26"/>
+    <p:sldId id="316" r:id="rId5"/>
+    <p:sldId id="317" r:id="rId6"/>
+    <p:sldId id="290" r:id="rId7"/>
+    <p:sldId id="299" r:id="rId8"/>
+    <p:sldId id="300" r:id="rId9"/>
+    <p:sldId id="291" r:id="rId10"/>
+    <p:sldId id="292" r:id="rId11"/>
+    <p:sldId id="301" r:id="rId12"/>
+    <p:sldId id="293" r:id="rId13"/>
+    <p:sldId id="302" r:id="rId14"/>
+    <p:sldId id="295" r:id="rId15"/>
+    <p:sldId id="303" r:id="rId16"/>
+    <p:sldId id="296" r:id="rId17"/>
+    <p:sldId id="304" r:id="rId18"/>
+    <p:sldId id="297" r:id="rId19"/>
+    <p:sldId id="305" r:id="rId20"/>
+    <p:sldId id="306" r:id="rId21"/>
+    <p:sldId id="307" r:id="rId22"/>
+    <p:sldId id="308" r:id="rId23"/>
+    <p:sldId id="298" r:id="rId24"/>
+    <p:sldId id="314" r:id="rId25"/>
+    <p:sldId id="315" r:id="rId26"/>
+    <p:sldId id="313" r:id="rId27"/>
+    <p:sldId id="309" r:id="rId28"/>
   </p:sldIdLst>
   <p:sldSz cx="9144000" cy="5143500" type="screen16x9"/>
   <p:notesSz cx="6858000" cy="9144000"/>
   <p:embeddedFontLst>
     <p:embeddedFont>
       <p:font typeface="Adelle Sans Devanagari" panose="02000503000000020004" pitchFamily="2" charset="-78"/>
-      <p:regular r:id="rId28"/>
-      <p:bold r:id="rId29"/>
+      <p:regular r:id="rId30"/>
+      <p:bold r:id="rId31"/>
     </p:embeddedFont>
     <p:embeddedFont>
       <p:font typeface="Calibri" panose="020F0502020204030204" pitchFamily="34" charset="0"/>
-      <p:regular r:id="rId30"/>
-      <p:bold r:id="rId31"/>
-      <p:italic r:id="rId32"/>
-      <p:boldItalic r:id="rId33"/>
+      <p:regular r:id="rId32"/>
+      <p:bold r:id="rId33"/>
+      <p:italic r:id="rId34"/>
+      <p:boldItalic r:id="rId35"/>
     </p:embeddedFont>
     <p:embeddedFont>
       <p:font typeface="Calibri Light" panose="020F0302020204030204" pitchFamily="34" charset="0"/>
-      <p:regular r:id="rId34"/>
-      <p:italic r:id="rId35"/>
+      <p:regular r:id="rId36"/>
+      <p:italic r:id="rId37"/>
     </p:embeddedFont>
   </p:embeddedFontLst>
   <p:defaultTextStyle>
@@ -813,7 +815,7 @@
     </p:spTree>
     <p:extLst>
       <p:ext uri="{BB962C8B-B14F-4D97-AF65-F5344CB8AC3E}">
-        <p14:creationId xmlns:p14="http://schemas.microsoft.com/office/powerpoint/2010/main" val="4043162763"/>
+        <p14:creationId xmlns:p14="http://schemas.microsoft.com/office/powerpoint/2010/main" val="1903474582"/>
       </p:ext>
     </p:extLst>
   </p:cSld>
@@ -922,7 +924,7 @@
     </p:spTree>
     <p:extLst>
       <p:ext uri="{BB962C8B-B14F-4D97-AF65-F5344CB8AC3E}">
-        <p14:creationId xmlns:p14="http://schemas.microsoft.com/office/powerpoint/2010/main" val="3176368427"/>
+        <p14:creationId xmlns:p14="http://schemas.microsoft.com/office/powerpoint/2010/main" val="4043162763"/>
       </p:ext>
     </p:extLst>
   </p:cSld>
@@ -932,7 +934,7 @@
 </p:notes>
 </file>
 
-<file path=ppt/notesSlides/notesSlide2.xml><?xml version="1.0" encoding="utf-8"?>
+<file path=ppt/notesSlides/notesSlide12.xml><?xml version="1.0" encoding="utf-8"?>
 <p:notes xmlns:a="http://schemas.openxmlformats.org/drawingml/2006/main" xmlns:r="http://schemas.openxmlformats.org/officeDocument/2006/relationships" xmlns:p="http://schemas.openxmlformats.org/presentationml/2006/main" showMasterSp="0" showMasterPhAnim="0">
   <p:cSld>
     <p:spTree>
@@ -1029,6 +1031,11 @@
         </p:txBody>
       </p:sp>
     </p:spTree>
+    <p:extLst>
+      <p:ext uri="{BB962C8B-B14F-4D97-AF65-F5344CB8AC3E}">
+        <p14:creationId xmlns:p14="http://schemas.microsoft.com/office/powerpoint/2010/main" val="3176368427"/>
+      </p:ext>
+    </p:extLst>
   </p:cSld>
   <p:clrMapOvr>
     <a:masterClrMapping/>
@@ -1036,7 +1043,7 @@
 </p:notes>
 </file>
 
-<file path=ppt/notesSlides/notesSlide3.xml><?xml version="1.0" encoding="utf-8"?>
+<file path=ppt/notesSlides/notesSlide2.xml><?xml version="1.0" encoding="utf-8"?>
 <p:notes xmlns:a="http://schemas.openxmlformats.org/drawingml/2006/main" xmlns:r="http://schemas.openxmlformats.org/officeDocument/2006/relationships" xmlns:p="http://schemas.openxmlformats.org/presentationml/2006/main" showMasterSp="0" showMasterPhAnim="0">
   <p:cSld>
     <p:spTree>
@@ -1133,11 +1140,6 @@
         </p:txBody>
       </p:sp>
     </p:spTree>
-    <p:extLst>
-      <p:ext uri="{BB962C8B-B14F-4D97-AF65-F5344CB8AC3E}">
-        <p14:creationId xmlns:p14="http://schemas.microsoft.com/office/powerpoint/2010/main" val="2290076472"/>
-      </p:ext>
-    </p:extLst>
   </p:cSld>
   <p:clrMapOvr>
     <a:masterClrMapping/>
@@ -1145,7 +1147,7 @@
 </p:notes>
 </file>
 
-<file path=ppt/notesSlides/notesSlide4.xml><?xml version="1.0" encoding="utf-8"?>
+<file path=ppt/notesSlides/notesSlide3.xml><?xml version="1.0" encoding="utf-8"?>
 <p:notes xmlns:a="http://schemas.openxmlformats.org/drawingml/2006/main" xmlns:r="http://schemas.openxmlformats.org/officeDocument/2006/relationships" xmlns:p="http://schemas.openxmlformats.org/presentationml/2006/main" showMasterSp="0" showMasterPhAnim="0">
   <p:cSld>
     <p:spTree>
@@ -1244,7 +1246,7 @@
     </p:spTree>
     <p:extLst>
       <p:ext uri="{BB962C8B-B14F-4D97-AF65-F5344CB8AC3E}">
-        <p14:creationId xmlns:p14="http://schemas.microsoft.com/office/powerpoint/2010/main" val="3060227969"/>
+        <p14:creationId xmlns:p14="http://schemas.microsoft.com/office/powerpoint/2010/main" val="730764839"/>
       </p:ext>
     </p:extLst>
   </p:cSld>
@@ -1254,7 +1256,7 @@
 </p:notes>
 </file>
 
-<file path=ppt/notesSlides/notesSlide5.xml><?xml version="1.0" encoding="utf-8"?>
+<file path=ppt/notesSlides/notesSlide4.xml><?xml version="1.0" encoding="utf-8"?>
 <p:notes xmlns:a="http://schemas.openxmlformats.org/drawingml/2006/main" xmlns:r="http://schemas.openxmlformats.org/officeDocument/2006/relationships" xmlns:p="http://schemas.openxmlformats.org/presentationml/2006/main" showMasterSp="0" showMasterPhAnim="0">
   <p:cSld>
     <p:spTree>
@@ -1353,7 +1355,7 @@
     </p:spTree>
     <p:extLst>
       <p:ext uri="{BB962C8B-B14F-4D97-AF65-F5344CB8AC3E}">
-        <p14:creationId xmlns:p14="http://schemas.microsoft.com/office/powerpoint/2010/main" val="143823709"/>
+        <p14:creationId xmlns:p14="http://schemas.microsoft.com/office/powerpoint/2010/main" val="2290076472"/>
       </p:ext>
     </p:extLst>
   </p:cSld>
@@ -1363,7 +1365,7 @@
 </p:notes>
 </file>
 
-<file path=ppt/notesSlides/notesSlide6.xml><?xml version="1.0" encoding="utf-8"?>
+<file path=ppt/notesSlides/notesSlide5.xml><?xml version="1.0" encoding="utf-8"?>
 <p:notes xmlns:a="http://schemas.openxmlformats.org/drawingml/2006/main" xmlns:r="http://schemas.openxmlformats.org/officeDocument/2006/relationships" xmlns:p="http://schemas.openxmlformats.org/presentationml/2006/main" showMasterSp="0" showMasterPhAnim="0">
   <p:cSld>
     <p:spTree>
@@ -1462,7 +1464,7 @@
     </p:spTree>
     <p:extLst>
       <p:ext uri="{BB962C8B-B14F-4D97-AF65-F5344CB8AC3E}">
-        <p14:creationId xmlns:p14="http://schemas.microsoft.com/office/powerpoint/2010/main" val="483584334"/>
+        <p14:creationId xmlns:p14="http://schemas.microsoft.com/office/powerpoint/2010/main" val="3060227969"/>
       </p:ext>
     </p:extLst>
   </p:cSld>
@@ -1472,7 +1474,7 @@
 </p:notes>
 </file>
 
-<file path=ppt/notesSlides/notesSlide7.xml><?xml version="1.0" encoding="utf-8"?>
+<file path=ppt/notesSlides/notesSlide6.xml><?xml version="1.0" encoding="utf-8"?>
 <p:notes xmlns:a="http://schemas.openxmlformats.org/drawingml/2006/main" xmlns:r="http://schemas.openxmlformats.org/officeDocument/2006/relationships" xmlns:p="http://schemas.openxmlformats.org/presentationml/2006/main" showMasterSp="0" showMasterPhAnim="0">
   <p:cSld>
     <p:spTree>
@@ -1571,7 +1573,7 @@
     </p:spTree>
     <p:extLst>
       <p:ext uri="{BB962C8B-B14F-4D97-AF65-F5344CB8AC3E}">
-        <p14:creationId xmlns:p14="http://schemas.microsoft.com/office/powerpoint/2010/main" val="1992665799"/>
+        <p14:creationId xmlns:p14="http://schemas.microsoft.com/office/powerpoint/2010/main" val="143823709"/>
       </p:ext>
     </p:extLst>
   </p:cSld>
@@ -1581,7 +1583,7 @@
 </p:notes>
 </file>
 
-<file path=ppt/notesSlides/notesSlide8.xml><?xml version="1.0" encoding="utf-8"?>
+<file path=ppt/notesSlides/notesSlide7.xml><?xml version="1.0" encoding="utf-8"?>
 <p:notes xmlns:a="http://schemas.openxmlformats.org/drawingml/2006/main" xmlns:r="http://schemas.openxmlformats.org/officeDocument/2006/relationships" xmlns:p="http://schemas.openxmlformats.org/presentationml/2006/main" showMasterSp="0" showMasterPhAnim="0">
   <p:cSld>
     <p:spTree>
@@ -1680,7 +1682,7 @@
     </p:spTree>
     <p:extLst>
       <p:ext uri="{BB962C8B-B14F-4D97-AF65-F5344CB8AC3E}">
-        <p14:creationId xmlns:p14="http://schemas.microsoft.com/office/powerpoint/2010/main" val="386528489"/>
+        <p14:creationId xmlns:p14="http://schemas.microsoft.com/office/powerpoint/2010/main" val="483584334"/>
       </p:ext>
     </p:extLst>
   </p:cSld>
@@ -1690,7 +1692,7 @@
 </p:notes>
 </file>
 
-<file path=ppt/notesSlides/notesSlide9.xml><?xml version="1.0" encoding="utf-8"?>
+<file path=ppt/notesSlides/notesSlide8.xml><?xml version="1.0" encoding="utf-8"?>
 <p:notes xmlns:a="http://schemas.openxmlformats.org/drawingml/2006/main" xmlns:r="http://schemas.openxmlformats.org/officeDocument/2006/relationships" xmlns:p="http://schemas.openxmlformats.org/presentationml/2006/main" showMasterSp="0" showMasterPhAnim="0">
   <p:cSld>
     <p:spTree>
@@ -1789,7 +1791,116 @@
     </p:spTree>
     <p:extLst>
       <p:ext uri="{BB962C8B-B14F-4D97-AF65-F5344CB8AC3E}">
-        <p14:creationId xmlns:p14="http://schemas.microsoft.com/office/powerpoint/2010/main" val="1903474582"/>
+        <p14:creationId xmlns:p14="http://schemas.microsoft.com/office/powerpoint/2010/main" val="1992665799"/>
+      </p:ext>
+    </p:extLst>
+  </p:cSld>
+  <p:clrMapOvr>
+    <a:masterClrMapping/>
+  </p:clrMapOvr>
+</p:notes>
+</file>
+
+<file path=ppt/notesSlides/notesSlide9.xml><?xml version="1.0" encoding="utf-8"?>
+<p:notes xmlns:a="http://schemas.openxmlformats.org/drawingml/2006/main" xmlns:r="http://schemas.openxmlformats.org/officeDocument/2006/relationships" xmlns:p="http://schemas.openxmlformats.org/presentationml/2006/main" showMasterSp="0" showMasterPhAnim="0">
+  <p:cSld>
+    <p:spTree>
+      <p:nvGrpSpPr>
+        <p:cNvPr id="1" name="Shape 79"/>
+        <p:cNvGrpSpPr/>
+        <p:nvPr/>
+      </p:nvGrpSpPr>
+      <p:grpSpPr>
+        <a:xfrm>
+          <a:off x="0" y="0"/>
+          <a:ext cx="0" cy="0"/>
+          <a:chOff x="0" y="0"/>
+          <a:chExt cx="0" cy="0"/>
+        </a:xfrm>
+      </p:grpSpPr>
+      <p:sp>
+        <p:nvSpPr>
+          <p:cNvPr id="80" name="Google Shape;80;g1a04a1d97e3_0_3:notes"/>
+          <p:cNvSpPr>
+            <a:spLocks noGrp="1" noRot="1" noChangeAspect="1"/>
+          </p:cNvSpPr>
+          <p:nvPr>
+            <p:ph type="sldImg" idx="2"/>
+          </p:nvPr>
+        </p:nvSpPr>
+        <p:spPr>
+          <a:xfrm>
+            <a:off x="381000" y="685800"/>
+            <a:ext cx="6096000" cy="3429000"/>
+          </a:xfrm>
+          <a:custGeom>
+            <a:avLst/>
+            <a:gdLst/>
+            <a:ahLst/>
+            <a:cxnLst/>
+            <a:rect l="l" t="t" r="r" b="b"/>
+            <a:pathLst>
+              <a:path w="120000" h="120000" extrusionOk="0">
+                <a:moveTo>
+                  <a:pt x="0" y="0"/>
+                </a:moveTo>
+                <a:lnTo>
+                  <a:pt x="120000" y="0"/>
+                </a:lnTo>
+                <a:lnTo>
+                  <a:pt x="120000" y="120000"/>
+                </a:lnTo>
+                <a:lnTo>
+                  <a:pt x="0" y="120000"/>
+                </a:lnTo>
+                <a:close/>
+              </a:path>
+            </a:pathLst>
+          </a:custGeom>
+        </p:spPr>
+      </p:sp>
+      <p:sp>
+        <p:nvSpPr>
+          <p:cNvPr id="81" name="Google Shape;81;g1a04a1d97e3_0_3:notes"/>
+          <p:cNvSpPr txBox="1">
+            <a:spLocks noGrp="1"/>
+          </p:cNvSpPr>
+          <p:nvPr>
+            <p:ph type="body" idx="1"/>
+          </p:nvPr>
+        </p:nvSpPr>
+        <p:spPr>
+          <a:xfrm>
+            <a:off x="685800" y="4343400"/>
+            <a:ext cx="5486400" cy="4114800"/>
+          </a:xfrm>
+          <a:prstGeom prst="rect">
+            <a:avLst/>
+          </a:prstGeom>
+        </p:spPr>
+        <p:txBody>
+          <a:bodyPr spcFirstLastPara="1" wrap="square" lIns="91425" tIns="91425" rIns="91425" bIns="91425" anchor="t" anchorCtr="0">
+            <a:noAutofit/>
+          </a:bodyPr>
+          <a:lstStyle/>
+          <a:p>
+            <a:pPr marL="0" lvl="0" indent="0" algn="l" rtl="0">
+              <a:spcBef>
+                <a:spcPts val="0"/>
+              </a:spcBef>
+              <a:spcAft>
+                <a:spcPts val="0"/>
+              </a:spcAft>
+              <a:buNone/>
+            </a:pPr>
+            <a:endParaRPr/>
+          </a:p>
+        </p:txBody>
+      </p:sp>
+    </p:spTree>
+    <p:extLst>
+      <p:ext uri="{BB962C8B-B14F-4D97-AF65-F5344CB8AC3E}">
+        <p14:creationId xmlns:p14="http://schemas.microsoft.com/office/powerpoint/2010/main" val="386528489"/>
       </p:ext>
     </p:extLst>
   </p:cSld>
@@ -1948,7 +2059,7 @@
           <a:p>
             <a:fld id="{605F8EF2-DBC1-AA4A-BF91-A70702E75585}" type="datetimeFigureOut">
               <a:rPr lang="en-US" smtClean="0"/>
-              <a:t>12/8/22</a:t>
+              <a:t>12/10/22</a:t>
             </a:fld>
             <a:endParaRPr lang="en-US"/>
           </a:p>
@@ -2158,7 +2269,7 @@
           <a:p>
             <a:fld id="{605F8EF2-DBC1-AA4A-BF91-A70702E75585}" type="datetimeFigureOut">
               <a:rPr lang="en-US" smtClean="0"/>
-              <a:t>12/8/22</a:t>
+              <a:t>12/10/22</a:t>
             </a:fld>
             <a:endParaRPr lang="en-US"/>
           </a:p>
@@ -2378,7 +2489,7 @@
           <a:p>
             <a:fld id="{605F8EF2-DBC1-AA4A-BF91-A70702E75585}" type="datetimeFigureOut">
               <a:rPr lang="en-US" smtClean="0"/>
-              <a:t>12/8/22</a:t>
+              <a:t>12/10/22</a:t>
             </a:fld>
             <a:endParaRPr lang="en-US"/>
           </a:p>
@@ -2826,7 +2937,7 @@
           <a:p>
             <a:fld id="{605F8EF2-DBC1-AA4A-BF91-A70702E75585}" type="datetimeFigureOut">
               <a:rPr lang="en-US" smtClean="0"/>
-              <a:t>12/8/22</a:t>
+              <a:t>12/10/22</a:t>
             </a:fld>
             <a:endParaRPr lang="en-US"/>
           </a:p>
@@ -3112,7 +3223,7 @@
           <a:p>
             <a:fld id="{605F8EF2-DBC1-AA4A-BF91-A70702E75585}" type="datetimeFigureOut">
               <a:rPr lang="en-US" smtClean="0"/>
-              <a:t>12/8/22</a:t>
+              <a:t>12/10/22</a:t>
             </a:fld>
             <a:endParaRPr lang="en-US"/>
           </a:p>
@@ -3390,7 +3501,7 @@
           <a:p>
             <a:fld id="{605F8EF2-DBC1-AA4A-BF91-A70702E75585}" type="datetimeFigureOut">
               <a:rPr lang="en-US" smtClean="0"/>
-              <a:t>12/8/22</a:t>
+              <a:t>12/10/22</a:t>
             </a:fld>
             <a:endParaRPr lang="en-US"/>
           </a:p>
@@ -3815,7 +3926,7 @@
           <a:p>
             <a:fld id="{605F8EF2-DBC1-AA4A-BF91-A70702E75585}" type="datetimeFigureOut">
               <a:rPr lang="en-US" smtClean="0"/>
-              <a:t>12/8/22</a:t>
+              <a:t>12/10/22</a:t>
             </a:fld>
             <a:endParaRPr lang="en-US"/>
           </a:p>
@@ -3967,7 +4078,7 @@
           <a:p>
             <a:fld id="{605F8EF2-DBC1-AA4A-BF91-A70702E75585}" type="datetimeFigureOut">
               <a:rPr lang="en-US" smtClean="0"/>
-              <a:t>12/8/22</a:t>
+              <a:t>12/10/22</a:t>
             </a:fld>
             <a:endParaRPr lang="en-US"/>
           </a:p>
@@ -4090,7 +4201,7 @@
           <a:p>
             <a:fld id="{605F8EF2-DBC1-AA4A-BF91-A70702E75585}" type="datetimeFigureOut">
               <a:rPr lang="en-US" smtClean="0"/>
-              <a:t>12/8/22</a:t>
+              <a:t>12/10/22</a:t>
             </a:fld>
             <a:endParaRPr lang="en-US"/>
           </a:p>
@@ -4412,7 +4523,7 @@
           <a:p>
             <a:fld id="{605F8EF2-DBC1-AA4A-BF91-A70702E75585}" type="datetimeFigureOut">
               <a:rPr lang="en-US" smtClean="0"/>
-              <a:t>12/8/22</a:t>
+              <a:t>12/10/22</a:t>
             </a:fld>
             <a:endParaRPr lang="en-US"/>
           </a:p>
@@ -4711,7 +4822,7 @@
           <a:p>
             <a:fld id="{605F8EF2-DBC1-AA4A-BF91-A70702E75585}" type="datetimeFigureOut">
               <a:rPr lang="en-US" smtClean="0"/>
-              <a:t>12/8/22</a:t>
+              <a:t>12/10/22</a:t>
             </a:fld>
             <a:endParaRPr lang="en-US"/>
           </a:p>
@@ -4964,7 +5075,7 @@
           <a:p>
             <a:fld id="{605F8EF2-DBC1-AA4A-BF91-A70702E75585}" type="datetimeFigureOut">
               <a:rPr lang="en-US" smtClean="0"/>
-              <a:t>12/8/22</a:t>
+              <a:t>12/10/22</a:t>
             </a:fld>
             <a:endParaRPr lang="en-US"/>
           </a:p>
@@ -5097,7 +5208,7 @@
         <p14:prism/>
       </p:transition>
     </mc:Choice>
-    <mc:Fallback xmlns:ahyp="http://schemas.microsoft.com/office/drawing/2018/hyperlinkcolor" xmlns:p15="http://schemas.microsoft.com/office/powerpoint/2012/main" xmlns:com="http://schemas.openxmlformats.org/drawingml/2006/compatibility" xmlns:pvml="urn:schemas-microsoft-com:office:powerpoint" xmlns:v="urn:schemas-microsoft-com:vml" xmlns:o="urn:schemas-microsoft-com:office:office" xmlns:dgm="http://schemas.openxmlformats.org/drawingml/2006/diagram" xmlns:c="http://schemas.openxmlformats.org/drawingml/2006/chart" xmlns:mv="urn:schemas-microsoft-com:mac:vml" xmlns="">
+    <mc:Fallback xmlns="" xmlns:mv="urn:schemas-microsoft-com:mac:vml" xmlns:c="http://schemas.openxmlformats.org/drawingml/2006/chart" xmlns:dgm="http://schemas.openxmlformats.org/drawingml/2006/diagram" xmlns:o="urn:schemas-microsoft-com:office:office" xmlns:v="urn:schemas-microsoft-com:vml" xmlns:pvml="urn:schemas-microsoft-com:office:powerpoint" xmlns:com="http://schemas.openxmlformats.org/drawingml/2006/compatibility" xmlns:p15="http://schemas.microsoft.com/office/powerpoint/2012/main" xmlns:ahyp="http://schemas.microsoft.com/office/drawing/2018/hyperlinkcolor">
       <p:transition spd="slow">
         <p:fade/>
       </p:transition>
@@ -6413,6 +6524,357 @@
                   <a:schemeClr val="bg1"/>
                 </a:solidFill>
               </a:rPr>
+              <a:t>Tables</a:t>
+            </a:r>
+            <a:endParaRPr lang="en-US" kern="1200" dirty="0">
+              <a:solidFill>
+                <a:schemeClr val="bg1"/>
+              </a:solidFill>
+              <a:latin typeface="+mj-lt"/>
+              <a:ea typeface="+mj-ea"/>
+              <a:cs typeface="+mj-cs"/>
+            </a:endParaRPr>
+          </a:p>
+        </p:txBody>
+      </p:sp>
+      <p:cxnSp>
+        <p:nvCxnSpPr>
+          <p:cNvPr id="90" name="Straight Connector 89">
+            <a:extLst>
+              <a:ext uri="{FF2B5EF4-FFF2-40B4-BE49-F238E27FC236}">
+                <a16:creationId xmlns:a16="http://schemas.microsoft.com/office/drawing/2014/main" id="{DC1572D0-F0FD-4D84-8F82-DC59140EB9BB}"/>
+              </a:ext>
+              <a:ext uri="{C183D7F6-B498-43B3-948B-1728B52AA6E4}">
+                <adec:decorative xmlns:adec="http://schemas.microsoft.com/office/drawing/2017/decorative" val="1"/>
+              </a:ext>
+            </a:extLst>
+          </p:cNvPr>
+          <p:cNvCxnSpPr>
+            <a:cxnSpLocks noGrp="1" noRot="1" noChangeAspect="1" noMove="1" noResize="1" noEditPoints="1" noAdjustHandles="1" noChangeArrowheads="1" noChangeShapeType="1"/>
+          </p:cNvCxnSpPr>
+          <p:nvPr>
+            <p:extLst>
+              <p:ext uri="{386F3935-93C4-4BCD-93E2-E3B085C9AB24}">
+                <p16:designElem xmlns:p16="http://schemas.microsoft.com/office/powerpoint/2015/main" val="1"/>
+              </p:ext>
+            </p:extLst>
+          </p:nvPr>
+        </p:nvCxnSpPr>
+        <p:spPr>
+          <a:xfrm>
+            <a:off x="6103620" y="1543049"/>
+            <a:ext cx="0" cy="2057400"/>
+          </a:xfrm>
+          <a:prstGeom prst="line">
+            <a:avLst/>
+          </a:prstGeom>
+          <a:ln w="19050">
+            <a:solidFill>
+              <a:schemeClr val="bg1"/>
+            </a:solidFill>
+          </a:ln>
+        </p:spPr>
+        <p:style>
+          <a:lnRef idx="1">
+            <a:schemeClr val="accent1"/>
+          </a:lnRef>
+          <a:fillRef idx="0">
+            <a:schemeClr val="accent1"/>
+          </a:fillRef>
+          <a:effectRef idx="0">
+            <a:schemeClr val="accent1"/>
+          </a:effectRef>
+          <a:fontRef idx="minor">
+            <a:schemeClr val="tx1"/>
+          </a:fontRef>
+        </p:style>
+      </p:cxnSp>
+    </p:spTree>
+    <p:extLst>
+      <p:ext uri="{BB962C8B-B14F-4D97-AF65-F5344CB8AC3E}">
+        <p14:creationId xmlns:p14="http://schemas.microsoft.com/office/powerpoint/2010/main" val="2507007083"/>
+      </p:ext>
+    </p:extLst>
+  </p:cSld>
+  <p:clrMapOvr>
+    <a:masterClrMapping/>
+  </p:clrMapOvr>
+  <p:timing>
+    <p:tnLst>
+      <p:par>
+        <p:cTn id="1" dur="indefinite" restart="never" nodeType="tmRoot">
+          <p:childTnLst>
+            <p:seq concurrent="1" nextAc="seek">
+              <p:cTn id="2" dur="indefinite" nodeType="mainSeq">
+                <p:childTnLst>
+                  <p:par>
+                    <p:cTn id="3" fill="hold">
+                      <p:stCondLst>
+                        <p:cond delay="indefinite"/>
+                      </p:stCondLst>
+                      <p:childTnLst>
+                        <p:par>
+                          <p:cTn id="4" fill="hold">
+                            <p:stCondLst>
+                              <p:cond delay="0"/>
+                            </p:stCondLst>
+                            <p:childTnLst>
+                              <p:par>
+                                <p:cTn id="5" presetID="10" presetClass="entr" presetSubtype="0" fill="hold" nodeType="clickEffect">
+                                  <p:stCondLst>
+                                    <p:cond delay="0"/>
+                                  </p:stCondLst>
+                                  <p:childTnLst>
+                                    <p:set>
+                                      <p:cBhvr>
+                                        <p:cTn id="6" dur="1" fill="hold">
+                                          <p:stCondLst>
+                                            <p:cond delay="0"/>
+                                          </p:stCondLst>
+                                        </p:cTn>
+                                        <p:tgtEl>
+                                          <p:spTgt spid="83"/>
+                                        </p:tgtEl>
+                                        <p:attrNameLst>
+                                          <p:attrName>style.visibility</p:attrName>
+                                        </p:attrNameLst>
+                                      </p:cBhvr>
+                                      <p:to>
+                                        <p:strVal val="visible"/>
+                                      </p:to>
+                                    </p:set>
+                                    <p:animEffect transition="in" filter="fade">
+                                      <p:cBhvr>
+                                        <p:cTn id="7" dur="500"/>
+                                        <p:tgtEl>
+                                          <p:spTgt spid="83"/>
+                                        </p:tgtEl>
+                                      </p:cBhvr>
+                                    </p:animEffect>
+                                  </p:childTnLst>
+                                </p:cTn>
+                              </p:par>
+                            </p:childTnLst>
+                          </p:cTn>
+                        </p:par>
+                      </p:childTnLst>
+                    </p:cTn>
+                  </p:par>
+                </p:childTnLst>
+              </p:cTn>
+              <p:prevCondLst>
+                <p:cond evt="onPrev" delay="0">
+                  <p:tgtEl>
+                    <p:sldTgt/>
+                  </p:tgtEl>
+                </p:cond>
+              </p:prevCondLst>
+              <p:nextCondLst>
+                <p:cond evt="onNext" delay="0">
+                  <p:tgtEl>
+                    <p:sldTgt/>
+                  </p:tgtEl>
+                </p:cond>
+              </p:nextCondLst>
+            </p:seq>
+          </p:childTnLst>
+        </p:cTn>
+      </p:par>
+    </p:tnLst>
+  </p:timing>
+</p:sld>
+</file>
+
+<file path=ppt/slides/slide11.xml><?xml version="1.0" encoding="utf-8"?>
+<p:sld xmlns:a="http://schemas.openxmlformats.org/drawingml/2006/main" xmlns:r="http://schemas.openxmlformats.org/officeDocument/2006/relationships" xmlns:p="http://schemas.openxmlformats.org/presentationml/2006/main">
+  <p:cSld>
+    <p:spTree>
+      <p:nvGrpSpPr>
+        <p:cNvPr id="1" name=""/>
+        <p:cNvGrpSpPr/>
+        <p:nvPr/>
+      </p:nvGrpSpPr>
+      <p:grpSpPr>
+        <a:xfrm>
+          <a:off x="0" y="0"/>
+          <a:ext cx="0" cy="0"/>
+          <a:chOff x="0" y="0"/>
+          <a:chExt cx="0" cy="0"/>
+        </a:xfrm>
+      </p:grpSpPr>
+      <p:pic>
+        <p:nvPicPr>
+          <p:cNvPr id="4" name="Picture 3">
+            <a:extLst>
+              <a:ext uri="{FF2B5EF4-FFF2-40B4-BE49-F238E27FC236}">
+                <a16:creationId xmlns:a16="http://schemas.microsoft.com/office/drawing/2014/main" id="{A90F7861-D584-6369-41C0-2ED98112A818}"/>
+              </a:ext>
+            </a:extLst>
+          </p:cNvPr>
+          <p:cNvPicPr>
+            <a:picLocks noChangeAspect="1"/>
+          </p:cNvPicPr>
+          <p:nvPr/>
+        </p:nvPicPr>
+        <p:blipFill>
+          <a:blip r:embed="rId2"/>
+          <a:stretch>
+            <a:fillRect/>
+          </a:stretch>
+        </p:blipFill>
+        <p:spPr>
+          <a:xfrm>
+            <a:off x="1791586" y="1223187"/>
+            <a:ext cx="5560828" cy="2697126"/>
+          </a:xfrm>
+          <a:prstGeom prst="rect">
+            <a:avLst/>
+          </a:prstGeom>
+        </p:spPr>
+      </p:pic>
+    </p:spTree>
+    <p:extLst>
+      <p:ext uri="{BB962C8B-B14F-4D97-AF65-F5344CB8AC3E}">
+        <p14:creationId xmlns:p14="http://schemas.microsoft.com/office/powerpoint/2010/main" val="2664237272"/>
+      </p:ext>
+    </p:extLst>
+  </p:cSld>
+  <p:clrMapOvr>
+    <a:masterClrMapping/>
+  </p:clrMapOvr>
+</p:sld>
+</file>
+
+<file path=ppt/slides/slide12.xml><?xml version="1.0" encoding="utf-8"?>
+<p:sld xmlns:a="http://schemas.openxmlformats.org/drawingml/2006/main" xmlns:r="http://schemas.openxmlformats.org/officeDocument/2006/relationships" xmlns:p="http://schemas.openxmlformats.org/presentationml/2006/main">
+  <p:cSld>
+    <p:bg>
+      <p:bgPr>
+        <a:solidFill>
+          <a:schemeClr val="bg1"/>
+        </a:solidFill>
+        <a:effectLst/>
+      </p:bgPr>
+    </p:bg>
+    <p:spTree>
+      <p:nvGrpSpPr>
+        <p:cNvPr id="1" name="Shape 82"/>
+        <p:cNvGrpSpPr/>
+        <p:nvPr/>
+      </p:nvGrpSpPr>
+      <p:grpSpPr>
+        <a:xfrm>
+          <a:off x="0" y="0"/>
+          <a:ext cx="0" cy="0"/>
+          <a:chOff x="0" y="0"/>
+          <a:chExt cx="0" cy="0"/>
+        </a:xfrm>
+      </p:grpSpPr>
+      <p:sp>
+        <p:nvSpPr>
+          <p:cNvPr id="88" name="Rectangle 87">
+            <a:extLst>
+              <a:ext uri="{FF2B5EF4-FFF2-40B4-BE49-F238E27FC236}">
+                <a16:creationId xmlns:a16="http://schemas.microsoft.com/office/drawing/2014/main" id="{3EDD119B-6BFA-4C3F-90CE-97DAFD604ECC}"/>
+              </a:ext>
+              <a:ext uri="{C183D7F6-B498-43B3-948B-1728B52AA6E4}">
+                <adec:decorative xmlns:adec="http://schemas.microsoft.com/office/drawing/2017/decorative" val="1"/>
+              </a:ext>
+            </a:extLst>
+          </p:cNvPr>
+          <p:cNvSpPr>
+            <a:spLocks noGrp="1" noRot="1" noChangeAspect="1" noMove="1" noResize="1" noEditPoints="1" noAdjustHandles="1" noChangeArrowheads="1" noChangeShapeType="1" noTextEdit="1"/>
+          </p:cNvSpPr>
+          <p:nvPr>
+            <p:extLst>
+              <p:ext uri="{386F3935-93C4-4BCD-93E2-E3B085C9AB24}">
+                <p16:designElem xmlns:p16="http://schemas.microsoft.com/office/powerpoint/2015/main" val="1"/>
+              </p:ext>
+            </p:extLst>
+          </p:nvPr>
+        </p:nvSpPr>
+        <p:spPr bwMode="ltGray">
+          <a:xfrm>
+            <a:off x="241173" y="240030"/>
+            <a:ext cx="8661654" cy="4663440"/>
+          </a:xfrm>
+          <a:prstGeom prst="rect">
+            <a:avLst/>
+          </a:prstGeom>
+          <a:solidFill>
+            <a:schemeClr val="tx1">
+              <a:lumMod val="75000"/>
+              <a:lumOff val="25000"/>
+            </a:schemeClr>
+          </a:solidFill>
+          <a:ln w="127000" cap="sq" cmpd="thinThick">
+            <a:noFill/>
+          </a:ln>
+        </p:spPr>
+        <p:style>
+          <a:lnRef idx="2">
+            <a:schemeClr val="accent1">
+              <a:shade val="50000"/>
+            </a:schemeClr>
+          </a:lnRef>
+          <a:fillRef idx="1">
+            <a:schemeClr val="accent1"/>
+          </a:fillRef>
+          <a:effectRef idx="0">
+            <a:schemeClr val="accent1"/>
+          </a:effectRef>
+          <a:fontRef idx="minor">
+            <a:schemeClr val="lt1"/>
+          </a:fontRef>
+        </p:style>
+        <p:txBody>
+          <a:bodyPr rtlCol="0" anchor="ctr"/>
+          <a:lstStyle/>
+          <a:p>
+            <a:pPr algn="ctr"/>
+            <a:endParaRPr lang="en-US"/>
+          </a:p>
+        </p:txBody>
+      </p:sp>
+      <p:sp>
+        <p:nvSpPr>
+          <p:cNvPr id="83" name="Google Shape;83;p15"/>
+          <p:cNvSpPr txBox="1">
+            <a:spLocks noGrp="1"/>
+          </p:cNvSpPr>
+          <p:nvPr>
+            <p:ph type="title"/>
+          </p:nvPr>
+        </p:nvSpPr>
+        <p:spPr>
+          <a:xfrm>
+            <a:off x="768096" y="723899"/>
+            <a:ext cx="5074558" cy="3695701"/>
+          </a:xfrm>
+          <a:prstGeom prst="rect">
+            <a:avLst/>
+          </a:prstGeom>
+        </p:spPr>
+        <p:txBody>
+          <a:bodyPr spcFirstLastPara="1" vert="horz" lIns="91440" tIns="45720" rIns="91440" bIns="45720" rtlCol="0" anchor="ctr" anchorCtr="0">
+            <a:normAutofit/>
+          </a:bodyPr>
+          <a:lstStyle/>
+          <a:p>
+            <a:pPr marL="0" lvl="0" indent="0" algn="r" defTabSz="914400">
+              <a:spcBef>
+                <a:spcPct val="0"/>
+              </a:spcBef>
+              <a:spcAft>
+                <a:spcPts val="0"/>
+              </a:spcAft>
+            </a:pPr>
+            <a:r>
+              <a:rPr lang="en-US" dirty="0">
+                <a:solidFill>
+                  <a:schemeClr val="bg1"/>
+                </a:solidFill>
+              </a:rPr>
               <a:t>Views</a:t>
             </a:r>
             <a:endParaRPr lang="en-US" kern="1200" dirty="0">
@@ -6574,7 +7036,7 @@
 </p:sld>
 </file>
 
-<file path=ppt/slides/slide11.xml><?xml version="1.0" encoding="utf-8"?>
+<file path=ppt/slides/slide13.xml><?xml version="1.0" encoding="utf-8"?>
 <p:sld xmlns:a="http://schemas.openxmlformats.org/drawingml/2006/main" xmlns:r="http://schemas.openxmlformats.org/officeDocument/2006/relationships" xmlns:p="http://schemas.openxmlformats.org/presentationml/2006/main">
   <p:cSld>
     <p:spTree>
@@ -6634,7 +7096,7 @@
 </p:sld>
 </file>
 
-<file path=ppt/slides/slide12.xml><?xml version="1.0" encoding="utf-8"?>
+<file path=ppt/slides/slide14.xml><?xml version="1.0" encoding="utf-8"?>
 <p:sld xmlns:a="http://schemas.openxmlformats.org/drawingml/2006/main" xmlns:r="http://schemas.openxmlformats.org/officeDocument/2006/relationships" xmlns:p="http://schemas.openxmlformats.org/presentationml/2006/main">
   <p:cSld>
     <p:bg>
@@ -6925,7 +7387,7 @@
 </p:sld>
 </file>
 
-<file path=ppt/slides/slide13.xml><?xml version="1.0" encoding="utf-8"?>
+<file path=ppt/slides/slide15.xml><?xml version="1.0" encoding="utf-8"?>
 <p:sld xmlns:a="http://schemas.openxmlformats.org/drawingml/2006/main" xmlns:r="http://schemas.openxmlformats.org/officeDocument/2006/relationships" xmlns:p="http://schemas.openxmlformats.org/presentationml/2006/main">
   <p:cSld>
     <p:spTree>
@@ -6985,7 +7447,7 @@
 </p:sld>
 </file>
 
-<file path=ppt/slides/slide14.xml><?xml version="1.0" encoding="utf-8"?>
+<file path=ppt/slides/slide16.xml><?xml version="1.0" encoding="utf-8"?>
 <p:sld xmlns:a="http://schemas.openxmlformats.org/drawingml/2006/main" xmlns:r="http://schemas.openxmlformats.org/officeDocument/2006/relationships" xmlns:p="http://schemas.openxmlformats.org/presentationml/2006/main">
   <p:cSld>
     <p:bg>
@@ -7276,7 +7738,7 @@
 </p:sld>
 </file>
 
-<file path=ppt/slides/slide15.xml><?xml version="1.0" encoding="utf-8"?>
+<file path=ppt/slides/slide17.xml><?xml version="1.0" encoding="utf-8"?>
 <p:sld xmlns:a="http://schemas.openxmlformats.org/drawingml/2006/main" xmlns:r="http://schemas.openxmlformats.org/officeDocument/2006/relationships" xmlns:p="http://schemas.openxmlformats.org/presentationml/2006/main">
   <p:cSld>
     <p:spTree>
@@ -7336,7 +7798,7 @@
 </p:sld>
 </file>
 
-<file path=ppt/slides/slide16.xml><?xml version="1.0" encoding="utf-8"?>
+<file path=ppt/slides/slide18.xml><?xml version="1.0" encoding="utf-8"?>
 <p:sld xmlns:a="http://schemas.openxmlformats.org/drawingml/2006/main" xmlns:r="http://schemas.openxmlformats.org/officeDocument/2006/relationships" xmlns:p="http://schemas.openxmlformats.org/presentationml/2006/main">
   <p:cSld>
     <p:bg>
@@ -7627,7 +8089,7 @@
 </p:sld>
 </file>
 
-<file path=ppt/slides/slide17.xml><?xml version="1.0" encoding="utf-8"?>
+<file path=ppt/slides/slide19.xml><?xml version="1.0" encoding="utf-8"?>
 <p:sld xmlns:a="http://schemas.openxmlformats.org/drawingml/2006/main" xmlns:r="http://schemas.openxmlformats.org/officeDocument/2006/relationships" xmlns:p="http://schemas.openxmlformats.org/presentationml/2006/main">
   <p:cSld>
     <p:spTree>
@@ -7707,184 +8169,6 @@
     <p:extLst>
       <p:ext uri="{BB962C8B-B14F-4D97-AF65-F5344CB8AC3E}">
         <p14:creationId xmlns:p14="http://schemas.microsoft.com/office/powerpoint/2010/main" val="3331517936"/>
-      </p:ext>
-    </p:extLst>
-  </p:cSld>
-  <p:clrMapOvr>
-    <a:masterClrMapping/>
-  </p:clrMapOvr>
-</p:sld>
-</file>
-
-<file path=ppt/slides/slide18.xml><?xml version="1.0" encoding="utf-8"?>
-<p:sld xmlns:a="http://schemas.openxmlformats.org/drawingml/2006/main" xmlns:r="http://schemas.openxmlformats.org/officeDocument/2006/relationships" xmlns:p="http://schemas.openxmlformats.org/presentationml/2006/main">
-  <p:cSld>
-    <p:spTree>
-      <p:nvGrpSpPr>
-        <p:cNvPr id="1" name=""/>
-        <p:cNvGrpSpPr/>
-        <p:nvPr/>
-      </p:nvGrpSpPr>
-      <p:grpSpPr>
-        <a:xfrm>
-          <a:off x="0" y="0"/>
-          <a:ext cx="0" cy="0"/>
-          <a:chOff x="0" y="0"/>
-          <a:chExt cx="0" cy="0"/>
-        </a:xfrm>
-      </p:grpSpPr>
-      <p:sp>
-        <p:nvSpPr>
-          <p:cNvPr id="2" name="Title 1">
-            <a:extLst>
-              <a:ext uri="{FF2B5EF4-FFF2-40B4-BE49-F238E27FC236}">
-                <a16:creationId xmlns:a16="http://schemas.microsoft.com/office/drawing/2014/main" id="{FED74660-9BA0-0661-1553-21A7EC2C9611}"/>
-              </a:ext>
-            </a:extLst>
-          </p:cNvPr>
-          <p:cNvSpPr>
-            <a:spLocks noGrp="1"/>
-          </p:cNvSpPr>
-          <p:nvPr>
-            <p:ph type="title"/>
-          </p:nvPr>
-        </p:nvSpPr>
-        <p:spPr/>
-        <p:txBody>
-          <a:bodyPr/>
-          <a:lstStyle/>
-          <a:p>
-            <a:pPr algn="ctr"/>
-            <a:r>
-              <a:rPr lang="en-US" dirty="0"/>
-              <a:t>FUNCTIONS</a:t>
-            </a:r>
-          </a:p>
-        </p:txBody>
-      </p:sp>
-      <p:pic>
-        <p:nvPicPr>
-          <p:cNvPr id="3" name="Picture 2">
-            <a:extLst>
-              <a:ext uri="{FF2B5EF4-FFF2-40B4-BE49-F238E27FC236}">
-                <a16:creationId xmlns:a16="http://schemas.microsoft.com/office/drawing/2014/main" id="{EEA6B78E-71A1-94E1-5C25-7960DC7EBA59}"/>
-              </a:ext>
-            </a:extLst>
-          </p:cNvPr>
-          <p:cNvPicPr>
-            <a:picLocks noChangeAspect="1"/>
-          </p:cNvPicPr>
-          <p:nvPr/>
-        </p:nvPicPr>
-        <p:blipFill>
-          <a:blip r:embed="rId2"/>
-          <a:stretch>
-            <a:fillRect/>
-          </a:stretch>
-        </p:blipFill>
-        <p:spPr>
-          <a:xfrm>
-            <a:off x="2305050" y="1638300"/>
-            <a:ext cx="4533900" cy="1866900"/>
-          </a:xfrm>
-          <a:prstGeom prst="rect">
-            <a:avLst/>
-          </a:prstGeom>
-        </p:spPr>
-      </p:pic>
-    </p:spTree>
-    <p:extLst>
-      <p:ext uri="{BB962C8B-B14F-4D97-AF65-F5344CB8AC3E}">
-        <p14:creationId xmlns:p14="http://schemas.microsoft.com/office/powerpoint/2010/main" val="2182187495"/>
-      </p:ext>
-    </p:extLst>
-  </p:cSld>
-  <p:clrMapOvr>
-    <a:masterClrMapping/>
-  </p:clrMapOvr>
-</p:sld>
-</file>
-
-<file path=ppt/slides/slide19.xml><?xml version="1.0" encoding="utf-8"?>
-<p:sld xmlns:a="http://schemas.openxmlformats.org/drawingml/2006/main" xmlns:r="http://schemas.openxmlformats.org/officeDocument/2006/relationships" xmlns:p="http://schemas.openxmlformats.org/presentationml/2006/main">
-  <p:cSld>
-    <p:spTree>
-      <p:nvGrpSpPr>
-        <p:cNvPr id="1" name=""/>
-        <p:cNvGrpSpPr/>
-        <p:nvPr/>
-      </p:nvGrpSpPr>
-      <p:grpSpPr>
-        <a:xfrm>
-          <a:off x="0" y="0"/>
-          <a:ext cx="0" cy="0"/>
-          <a:chOff x="0" y="0"/>
-          <a:chExt cx="0" cy="0"/>
-        </a:xfrm>
-      </p:grpSpPr>
-      <p:sp>
-        <p:nvSpPr>
-          <p:cNvPr id="2" name="Title 1">
-            <a:extLst>
-              <a:ext uri="{FF2B5EF4-FFF2-40B4-BE49-F238E27FC236}">
-                <a16:creationId xmlns:a16="http://schemas.microsoft.com/office/drawing/2014/main" id="{FED74660-9BA0-0661-1553-21A7EC2C9611}"/>
-              </a:ext>
-            </a:extLst>
-          </p:cNvPr>
-          <p:cNvSpPr>
-            <a:spLocks noGrp="1"/>
-          </p:cNvSpPr>
-          <p:nvPr>
-            <p:ph type="title"/>
-          </p:nvPr>
-        </p:nvSpPr>
-        <p:spPr/>
-        <p:txBody>
-          <a:bodyPr/>
-          <a:lstStyle/>
-          <a:p>
-            <a:pPr algn="ctr"/>
-            <a:r>
-              <a:rPr lang="en-US" dirty="0"/>
-              <a:t>PACKAGES</a:t>
-            </a:r>
-          </a:p>
-        </p:txBody>
-      </p:sp>
-      <p:pic>
-        <p:nvPicPr>
-          <p:cNvPr id="4" name="Picture 3">
-            <a:extLst>
-              <a:ext uri="{FF2B5EF4-FFF2-40B4-BE49-F238E27FC236}">
-                <a16:creationId xmlns:a16="http://schemas.microsoft.com/office/drawing/2014/main" id="{CAF613F0-DDD7-AA9E-8EBA-717DA47BA3E5}"/>
-              </a:ext>
-            </a:extLst>
-          </p:cNvPr>
-          <p:cNvPicPr>
-            <a:picLocks noChangeAspect="1"/>
-          </p:cNvPicPr>
-          <p:nvPr/>
-        </p:nvPicPr>
-        <p:blipFill>
-          <a:blip r:embed="rId2"/>
-          <a:stretch>
-            <a:fillRect/>
-          </a:stretch>
-        </p:blipFill>
-        <p:spPr>
-          <a:xfrm>
-            <a:off x="2343150" y="1771650"/>
-            <a:ext cx="4457700" cy="1600200"/>
-          </a:xfrm>
-          <a:prstGeom prst="rect">
-            <a:avLst/>
-          </a:prstGeom>
-        </p:spPr>
-      </p:pic>
-    </p:spTree>
-    <p:extLst>
-      <p:ext uri="{BB962C8B-B14F-4D97-AF65-F5344CB8AC3E}">
-        <p14:creationId xmlns:p14="http://schemas.microsoft.com/office/powerpoint/2010/main" val="984670613"/>
       </p:ext>
     </p:extLst>
   </p:cSld>
@@ -8216,6 +8500,184 @@
             <a:pPr algn="ctr"/>
             <a:r>
               <a:rPr lang="en-US" dirty="0"/>
+              <a:t>FUNCTIONS</a:t>
+            </a:r>
+          </a:p>
+        </p:txBody>
+      </p:sp>
+      <p:pic>
+        <p:nvPicPr>
+          <p:cNvPr id="3" name="Picture 2">
+            <a:extLst>
+              <a:ext uri="{FF2B5EF4-FFF2-40B4-BE49-F238E27FC236}">
+                <a16:creationId xmlns:a16="http://schemas.microsoft.com/office/drawing/2014/main" id="{EEA6B78E-71A1-94E1-5C25-7960DC7EBA59}"/>
+              </a:ext>
+            </a:extLst>
+          </p:cNvPr>
+          <p:cNvPicPr>
+            <a:picLocks noChangeAspect="1"/>
+          </p:cNvPicPr>
+          <p:nvPr/>
+        </p:nvPicPr>
+        <p:blipFill>
+          <a:blip r:embed="rId2"/>
+          <a:stretch>
+            <a:fillRect/>
+          </a:stretch>
+        </p:blipFill>
+        <p:spPr>
+          <a:xfrm>
+            <a:off x="2305050" y="1638300"/>
+            <a:ext cx="4533900" cy="1866900"/>
+          </a:xfrm>
+          <a:prstGeom prst="rect">
+            <a:avLst/>
+          </a:prstGeom>
+        </p:spPr>
+      </p:pic>
+    </p:spTree>
+    <p:extLst>
+      <p:ext uri="{BB962C8B-B14F-4D97-AF65-F5344CB8AC3E}">
+        <p14:creationId xmlns:p14="http://schemas.microsoft.com/office/powerpoint/2010/main" val="2182187495"/>
+      </p:ext>
+    </p:extLst>
+  </p:cSld>
+  <p:clrMapOvr>
+    <a:masterClrMapping/>
+  </p:clrMapOvr>
+</p:sld>
+</file>
+
+<file path=ppt/slides/slide21.xml><?xml version="1.0" encoding="utf-8"?>
+<p:sld xmlns:a="http://schemas.openxmlformats.org/drawingml/2006/main" xmlns:r="http://schemas.openxmlformats.org/officeDocument/2006/relationships" xmlns:p="http://schemas.openxmlformats.org/presentationml/2006/main">
+  <p:cSld>
+    <p:spTree>
+      <p:nvGrpSpPr>
+        <p:cNvPr id="1" name=""/>
+        <p:cNvGrpSpPr/>
+        <p:nvPr/>
+      </p:nvGrpSpPr>
+      <p:grpSpPr>
+        <a:xfrm>
+          <a:off x="0" y="0"/>
+          <a:ext cx="0" cy="0"/>
+          <a:chOff x="0" y="0"/>
+          <a:chExt cx="0" cy="0"/>
+        </a:xfrm>
+      </p:grpSpPr>
+      <p:sp>
+        <p:nvSpPr>
+          <p:cNvPr id="2" name="Title 1">
+            <a:extLst>
+              <a:ext uri="{FF2B5EF4-FFF2-40B4-BE49-F238E27FC236}">
+                <a16:creationId xmlns:a16="http://schemas.microsoft.com/office/drawing/2014/main" id="{FED74660-9BA0-0661-1553-21A7EC2C9611}"/>
+              </a:ext>
+            </a:extLst>
+          </p:cNvPr>
+          <p:cNvSpPr>
+            <a:spLocks noGrp="1"/>
+          </p:cNvSpPr>
+          <p:nvPr>
+            <p:ph type="title"/>
+          </p:nvPr>
+        </p:nvSpPr>
+        <p:spPr/>
+        <p:txBody>
+          <a:bodyPr/>
+          <a:lstStyle/>
+          <a:p>
+            <a:pPr algn="ctr"/>
+            <a:r>
+              <a:rPr lang="en-US" dirty="0"/>
+              <a:t>PACKAGES</a:t>
+            </a:r>
+          </a:p>
+        </p:txBody>
+      </p:sp>
+      <p:pic>
+        <p:nvPicPr>
+          <p:cNvPr id="4" name="Picture 3">
+            <a:extLst>
+              <a:ext uri="{FF2B5EF4-FFF2-40B4-BE49-F238E27FC236}">
+                <a16:creationId xmlns:a16="http://schemas.microsoft.com/office/drawing/2014/main" id="{CAF613F0-DDD7-AA9E-8EBA-717DA47BA3E5}"/>
+              </a:ext>
+            </a:extLst>
+          </p:cNvPr>
+          <p:cNvPicPr>
+            <a:picLocks noChangeAspect="1"/>
+          </p:cNvPicPr>
+          <p:nvPr/>
+        </p:nvPicPr>
+        <p:blipFill>
+          <a:blip r:embed="rId2"/>
+          <a:stretch>
+            <a:fillRect/>
+          </a:stretch>
+        </p:blipFill>
+        <p:spPr>
+          <a:xfrm>
+            <a:off x="2343150" y="1771650"/>
+            <a:ext cx="4457700" cy="1600200"/>
+          </a:xfrm>
+          <a:prstGeom prst="rect">
+            <a:avLst/>
+          </a:prstGeom>
+        </p:spPr>
+      </p:pic>
+    </p:spTree>
+    <p:extLst>
+      <p:ext uri="{BB962C8B-B14F-4D97-AF65-F5344CB8AC3E}">
+        <p14:creationId xmlns:p14="http://schemas.microsoft.com/office/powerpoint/2010/main" val="984670613"/>
+      </p:ext>
+    </p:extLst>
+  </p:cSld>
+  <p:clrMapOvr>
+    <a:masterClrMapping/>
+  </p:clrMapOvr>
+</p:sld>
+</file>
+
+<file path=ppt/slides/slide22.xml><?xml version="1.0" encoding="utf-8"?>
+<p:sld xmlns:a="http://schemas.openxmlformats.org/drawingml/2006/main" xmlns:r="http://schemas.openxmlformats.org/officeDocument/2006/relationships" xmlns:p="http://schemas.openxmlformats.org/presentationml/2006/main">
+  <p:cSld>
+    <p:spTree>
+      <p:nvGrpSpPr>
+        <p:cNvPr id="1" name=""/>
+        <p:cNvGrpSpPr/>
+        <p:nvPr/>
+      </p:nvGrpSpPr>
+      <p:grpSpPr>
+        <a:xfrm>
+          <a:off x="0" y="0"/>
+          <a:ext cx="0" cy="0"/>
+          <a:chOff x="0" y="0"/>
+          <a:chExt cx="0" cy="0"/>
+        </a:xfrm>
+      </p:grpSpPr>
+      <p:sp>
+        <p:nvSpPr>
+          <p:cNvPr id="2" name="Title 1">
+            <a:extLst>
+              <a:ext uri="{FF2B5EF4-FFF2-40B4-BE49-F238E27FC236}">
+                <a16:creationId xmlns:a16="http://schemas.microsoft.com/office/drawing/2014/main" id="{FED74660-9BA0-0661-1553-21A7EC2C9611}"/>
+              </a:ext>
+            </a:extLst>
+          </p:cNvPr>
+          <p:cNvSpPr>
+            <a:spLocks noGrp="1"/>
+          </p:cNvSpPr>
+          <p:nvPr>
+            <p:ph type="title"/>
+          </p:nvPr>
+        </p:nvSpPr>
+        <p:spPr/>
+        <p:txBody>
+          <a:bodyPr/>
+          <a:lstStyle/>
+          <a:p>
+            <a:pPr algn="ctr"/>
+            <a:r>
+              <a:rPr lang="en-US" dirty="0"/>
               <a:t>SEQUENCES</a:t>
             </a:r>
           </a:p>
@@ -8264,7 +8726,7 @@
 </p:sld>
 </file>
 
-<file path=ppt/slides/slide21.xml><?xml version="1.0" encoding="utf-8"?>
+<file path=ppt/slides/slide23.xml><?xml version="1.0" encoding="utf-8"?>
 <p:sld xmlns:a="http://schemas.openxmlformats.org/drawingml/2006/main" xmlns:r="http://schemas.openxmlformats.org/officeDocument/2006/relationships" xmlns:p="http://schemas.openxmlformats.org/presentationml/2006/main">
   <p:cSld>
     <p:bg>
@@ -8555,249 +9017,6 @@
 </p:sld>
 </file>
 
-<file path=ppt/slides/slide22.xml><?xml version="1.0" encoding="utf-8"?>
-<p:sld xmlns:a="http://schemas.openxmlformats.org/drawingml/2006/main" xmlns:r="http://schemas.openxmlformats.org/officeDocument/2006/relationships" xmlns:p="http://schemas.openxmlformats.org/presentationml/2006/main">
-  <p:cSld>
-    <p:spTree>
-      <p:nvGrpSpPr>
-        <p:cNvPr id="1" name=""/>
-        <p:cNvGrpSpPr/>
-        <p:nvPr/>
-      </p:nvGrpSpPr>
-      <p:grpSpPr>
-        <a:xfrm>
-          <a:off x="0" y="0"/>
-          <a:ext cx="0" cy="0"/>
-          <a:chOff x="0" y="0"/>
-          <a:chExt cx="0" cy="0"/>
-        </a:xfrm>
-      </p:grpSpPr>
-      <p:sp>
-        <p:nvSpPr>
-          <p:cNvPr id="2" name="Title 1">
-            <a:extLst>
-              <a:ext uri="{FF2B5EF4-FFF2-40B4-BE49-F238E27FC236}">
-                <a16:creationId xmlns:a16="http://schemas.microsoft.com/office/drawing/2014/main" id="{5EFFB0E4-CF36-4468-7515-98956514AD60}"/>
-              </a:ext>
-            </a:extLst>
-          </p:cNvPr>
-          <p:cNvSpPr>
-            <a:spLocks noGrp="1"/>
-          </p:cNvSpPr>
-          <p:nvPr>
-            <p:ph type="title"/>
-          </p:nvPr>
-        </p:nvSpPr>
-        <p:spPr/>
-        <p:txBody>
-          <a:bodyPr/>
-          <a:lstStyle/>
-          <a:p>
-            <a:r>
-              <a:rPr lang="en-US" dirty="0"/>
-              <a:t>Niharika </a:t>
-            </a:r>
-            <a:r>
-              <a:rPr lang="en-US" dirty="0" err="1"/>
-              <a:t>Vittal</a:t>
-            </a:r>
-            <a:endParaRPr lang="en-US" dirty="0"/>
-          </a:p>
-        </p:txBody>
-      </p:sp>
-      <p:sp>
-        <p:nvSpPr>
-          <p:cNvPr id="3" name="Content Placeholder 2">
-            <a:extLst>
-              <a:ext uri="{FF2B5EF4-FFF2-40B4-BE49-F238E27FC236}">
-                <a16:creationId xmlns:a16="http://schemas.microsoft.com/office/drawing/2014/main" id="{0C404CB4-95CE-BCCD-56D1-134EA2DBA6CB}"/>
-              </a:ext>
-            </a:extLst>
-          </p:cNvPr>
-          <p:cNvSpPr>
-            <a:spLocks noGrp="1"/>
-          </p:cNvSpPr>
-          <p:nvPr>
-            <p:ph idx="1"/>
-          </p:nvPr>
-        </p:nvSpPr>
-        <p:spPr/>
-        <p:txBody>
-          <a:bodyPr/>
-          <a:lstStyle/>
-          <a:p>
-            <a:r>
-              <a:rPr lang="en-US" dirty="0"/>
-              <a:t>Table creation and inserting data </a:t>
-            </a:r>
-          </a:p>
-          <a:p>
-            <a:r>
-              <a:rPr lang="en-US" dirty="0"/>
-              <a:t>Triggers</a:t>
-            </a:r>
-          </a:p>
-          <a:p>
-            <a:r>
-              <a:rPr lang="en-US" dirty="0"/>
-              <a:t>Indexing</a:t>
-            </a:r>
-          </a:p>
-          <a:p>
-            <a:r>
-              <a:rPr lang="en-US" dirty="0"/>
-              <a:t>Procedures</a:t>
-            </a:r>
-          </a:p>
-          <a:p>
-            <a:r>
-              <a:rPr lang="en-US" dirty="0"/>
-              <a:t>Packages</a:t>
-            </a:r>
-          </a:p>
-          <a:p>
-            <a:r>
-              <a:rPr lang="en-US" dirty="0"/>
-              <a:t>ppt</a:t>
-            </a:r>
-          </a:p>
-          <a:p>
-            <a:endParaRPr lang="en-US" dirty="0"/>
-          </a:p>
-          <a:p>
-            <a:endParaRPr lang="en-US" dirty="0"/>
-          </a:p>
-          <a:p>
-            <a:endParaRPr lang="en-US" dirty="0"/>
-          </a:p>
-        </p:txBody>
-      </p:sp>
-    </p:spTree>
-    <p:extLst>
-      <p:ext uri="{BB962C8B-B14F-4D97-AF65-F5344CB8AC3E}">
-        <p14:creationId xmlns:p14="http://schemas.microsoft.com/office/powerpoint/2010/main" val="4283512197"/>
-      </p:ext>
-    </p:extLst>
-  </p:cSld>
-  <p:clrMapOvr>
-    <a:masterClrMapping/>
-  </p:clrMapOvr>
-</p:sld>
-</file>
-
-<file path=ppt/slides/slide23.xml><?xml version="1.0" encoding="utf-8"?>
-<p:sld xmlns:a="http://schemas.openxmlformats.org/drawingml/2006/main" xmlns:r="http://schemas.openxmlformats.org/officeDocument/2006/relationships" xmlns:p="http://schemas.openxmlformats.org/presentationml/2006/main">
-  <p:cSld>
-    <p:spTree>
-      <p:nvGrpSpPr>
-        <p:cNvPr id="1" name=""/>
-        <p:cNvGrpSpPr/>
-        <p:nvPr/>
-      </p:nvGrpSpPr>
-      <p:grpSpPr>
-        <a:xfrm>
-          <a:off x="0" y="0"/>
-          <a:ext cx="0" cy="0"/>
-          <a:chOff x="0" y="0"/>
-          <a:chExt cx="0" cy="0"/>
-        </a:xfrm>
-      </p:grpSpPr>
-      <p:sp>
-        <p:nvSpPr>
-          <p:cNvPr id="2" name="Title 1">
-            <a:extLst>
-              <a:ext uri="{FF2B5EF4-FFF2-40B4-BE49-F238E27FC236}">
-                <a16:creationId xmlns:a16="http://schemas.microsoft.com/office/drawing/2014/main" id="{E80A537E-7F10-326F-52B7-0167D64598BE}"/>
-              </a:ext>
-            </a:extLst>
-          </p:cNvPr>
-          <p:cNvSpPr>
-            <a:spLocks noGrp="1"/>
-          </p:cNvSpPr>
-          <p:nvPr>
-            <p:ph type="title"/>
-          </p:nvPr>
-        </p:nvSpPr>
-        <p:spPr/>
-        <p:txBody>
-          <a:bodyPr/>
-          <a:lstStyle/>
-          <a:p>
-            <a:r>
-              <a:rPr lang="en-US" dirty="0"/>
-              <a:t>Sruthi Bhaskar</a:t>
-            </a:r>
-          </a:p>
-        </p:txBody>
-      </p:sp>
-      <p:sp>
-        <p:nvSpPr>
-          <p:cNvPr id="3" name="Content Placeholder 2">
-            <a:extLst>
-              <a:ext uri="{FF2B5EF4-FFF2-40B4-BE49-F238E27FC236}">
-                <a16:creationId xmlns:a16="http://schemas.microsoft.com/office/drawing/2014/main" id="{6B7CBA87-CC52-8EBE-361F-6FCA134E40CC}"/>
-              </a:ext>
-            </a:extLst>
-          </p:cNvPr>
-          <p:cNvSpPr>
-            <a:spLocks noGrp="1"/>
-          </p:cNvSpPr>
-          <p:nvPr>
-            <p:ph idx="1"/>
-          </p:nvPr>
-        </p:nvSpPr>
-        <p:spPr/>
-        <p:txBody>
-          <a:bodyPr/>
-          <a:lstStyle/>
-          <a:p>
-            <a:r>
-              <a:rPr lang="en-US" dirty="0"/>
-              <a:t>Table creation and inserting data </a:t>
-            </a:r>
-          </a:p>
-          <a:p>
-            <a:r>
-              <a:rPr lang="en-US" dirty="0"/>
-              <a:t>Functions</a:t>
-            </a:r>
-          </a:p>
-          <a:p>
-            <a:r>
-              <a:rPr lang="en-US" dirty="0"/>
-              <a:t>Procedures</a:t>
-            </a:r>
-          </a:p>
-          <a:p>
-            <a:r>
-              <a:rPr lang="en-US" dirty="0"/>
-              <a:t>Views</a:t>
-            </a:r>
-          </a:p>
-          <a:p>
-            <a:r>
-              <a:rPr lang="en-US" dirty="0"/>
-              <a:t>Triggers</a:t>
-            </a:r>
-          </a:p>
-          <a:p>
-            <a:endParaRPr lang="en-US" dirty="0"/>
-          </a:p>
-        </p:txBody>
-      </p:sp>
-    </p:spTree>
-    <p:extLst>
-      <p:ext uri="{BB962C8B-B14F-4D97-AF65-F5344CB8AC3E}">
-        <p14:creationId xmlns:p14="http://schemas.microsoft.com/office/powerpoint/2010/main" val="1529358377"/>
-      </p:ext>
-    </p:extLst>
-  </p:cSld>
-  <p:clrMapOvr>
-    <a:masterClrMapping/>
-  </p:clrMapOvr>
-</p:sld>
-</file>
-
 <file path=ppt/slides/slide24.xml><?xml version="1.0" encoding="utf-8"?>
 <p:sld xmlns:a="http://schemas.openxmlformats.org/drawingml/2006/main" xmlns:r="http://schemas.openxmlformats.org/officeDocument/2006/relationships" xmlns:p="http://schemas.openxmlformats.org/presentationml/2006/main">
   <p:cSld>
@@ -8820,7 +9039,7 @@
           <p:cNvPr id="2" name="Title 1">
             <a:extLst>
               <a:ext uri="{FF2B5EF4-FFF2-40B4-BE49-F238E27FC236}">
-                <a16:creationId xmlns:a16="http://schemas.microsoft.com/office/drawing/2014/main" id="{586EE84C-5B5A-312E-9AC2-3EA9E114A010}"/>
+                <a16:creationId xmlns:a16="http://schemas.microsoft.com/office/drawing/2014/main" id="{5EFFB0E4-CF36-4468-7515-98956514AD60}"/>
               </a:ext>
             </a:extLst>
           </p:cNvPr>
@@ -8838,12 +9057,8 @@
           <a:p>
             <a:r>
               <a:rPr lang="en-US" dirty="0"/>
-              <a:t>Soumya </a:t>
+              <a:t>Niharika Vittal</a:t>
             </a:r>
-            <a:r>
-              <a:rPr lang="en-US"/>
-              <a:t>Rayappanor</a:t>
-            </a:r>
           </a:p>
         </p:txBody>
       </p:sp>
@@ -8852,7 +9067,7 @@
           <p:cNvPr id="3" name="Content Placeholder 2">
             <a:extLst>
               <a:ext uri="{FF2B5EF4-FFF2-40B4-BE49-F238E27FC236}">
-                <a16:creationId xmlns:a16="http://schemas.microsoft.com/office/drawing/2014/main" id="{4B72E09A-8FF7-D099-1804-AB337BDDE5F8}"/>
+                <a16:creationId xmlns:a16="http://schemas.microsoft.com/office/drawing/2014/main" id="{0C404CB4-95CE-BCCD-56D1-134EA2DBA6CB}"/>
               </a:ext>
             </a:extLst>
           </p:cNvPr>
@@ -8876,7 +9091,138 @@
           <a:p>
             <a:r>
               <a:rPr lang="en-US" dirty="0"/>
-              <a:t>Sequences</a:t>
+              <a:t>Triggers</a:t>
+            </a:r>
+          </a:p>
+          <a:p>
+            <a:r>
+              <a:rPr lang="en-US" dirty="0"/>
+              <a:t>Indexing</a:t>
+            </a:r>
+          </a:p>
+          <a:p>
+            <a:r>
+              <a:rPr lang="en-US" dirty="0"/>
+              <a:t>Packages</a:t>
+            </a:r>
+          </a:p>
+          <a:p>
+            <a:r>
+              <a:rPr lang="en-US" dirty="0"/>
+              <a:t>Documentation and PPT</a:t>
+            </a:r>
+          </a:p>
+          <a:p>
+            <a:r>
+              <a:rPr lang="en-US" dirty="0"/>
+              <a:t>Testing</a:t>
+            </a:r>
+          </a:p>
+          <a:p>
+            <a:r>
+              <a:rPr lang="en-US" dirty="0"/>
+              <a:t>GitHub</a:t>
+            </a:r>
+          </a:p>
+          <a:p>
+            <a:endParaRPr lang="en-US" dirty="0"/>
+          </a:p>
+          <a:p>
+            <a:endParaRPr lang="en-US" dirty="0"/>
+          </a:p>
+          <a:p>
+            <a:endParaRPr lang="en-US" dirty="0"/>
+          </a:p>
+        </p:txBody>
+      </p:sp>
+    </p:spTree>
+    <p:extLst>
+      <p:ext uri="{BB962C8B-B14F-4D97-AF65-F5344CB8AC3E}">
+        <p14:creationId xmlns:p14="http://schemas.microsoft.com/office/powerpoint/2010/main" val="4283512197"/>
+      </p:ext>
+    </p:extLst>
+  </p:cSld>
+  <p:clrMapOvr>
+    <a:masterClrMapping/>
+  </p:clrMapOvr>
+</p:sld>
+</file>
+
+<file path=ppt/slides/slide25.xml><?xml version="1.0" encoding="utf-8"?>
+<p:sld xmlns:a="http://schemas.openxmlformats.org/drawingml/2006/main" xmlns:r="http://schemas.openxmlformats.org/officeDocument/2006/relationships" xmlns:p="http://schemas.openxmlformats.org/presentationml/2006/main">
+  <p:cSld>
+    <p:spTree>
+      <p:nvGrpSpPr>
+        <p:cNvPr id="1" name=""/>
+        <p:cNvGrpSpPr/>
+        <p:nvPr/>
+      </p:nvGrpSpPr>
+      <p:grpSpPr>
+        <a:xfrm>
+          <a:off x="0" y="0"/>
+          <a:ext cx="0" cy="0"/>
+          <a:chOff x="0" y="0"/>
+          <a:chExt cx="0" cy="0"/>
+        </a:xfrm>
+      </p:grpSpPr>
+      <p:sp>
+        <p:nvSpPr>
+          <p:cNvPr id="2" name="Title 1">
+            <a:extLst>
+              <a:ext uri="{FF2B5EF4-FFF2-40B4-BE49-F238E27FC236}">
+                <a16:creationId xmlns:a16="http://schemas.microsoft.com/office/drawing/2014/main" id="{E80A537E-7F10-326F-52B7-0167D64598BE}"/>
+              </a:ext>
+            </a:extLst>
+          </p:cNvPr>
+          <p:cNvSpPr>
+            <a:spLocks noGrp="1"/>
+          </p:cNvSpPr>
+          <p:nvPr>
+            <p:ph type="title"/>
+          </p:nvPr>
+        </p:nvSpPr>
+        <p:spPr/>
+        <p:txBody>
+          <a:bodyPr/>
+          <a:lstStyle/>
+          <a:p>
+            <a:r>
+              <a:rPr lang="en-US" dirty="0"/>
+              <a:t>Sruthi Bhaskar</a:t>
+            </a:r>
+          </a:p>
+        </p:txBody>
+      </p:sp>
+      <p:sp>
+        <p:nvSpPr>
+          <p:cNvPr id="3" name="Content Placeholder 2">
+            <a:extLst>
+              <a:ext uri="{FF2B5EF4-FFF2-40B4-BE49-F238E27FC236}">
+                <a16:creationId xmlns:a16="http://schemas.microsoft.com/office/drawing/2014/main" id="{6B7CBA87-CC52-8EBE-361F-6FCA134E40CC}"/>
+              </a:ext>
+            </a:extLst>
+          </p:cNvPr>
+          <p:cNvSpPr>
+            <a:spLocks noGrp="1"/>
+          </p:cNvSpPr>
+          <p:nvPr>
+            <p:ph idx="1"/>
+          </p:nvPr>
+        </p:nvSpPr>
+        <p:spPr/>
+        <p:txBody>
+          <a:bodyPr/>
+          <a:lstStyle/>
+          <a:p>
+            <a:r>
+              <a:rPr lang="en-US" dirty="0"/>
+              <a:t>Table creation and inserting data </a:t>
+            </a:r>
+          </a:p>
+          <a:p>
+            <a:r>
+              <a:rPr lang="en-US" dirty="0"/>
+              <a:t>Functions</a:t>
             </a:r>
           </a:p>
           <a:p>
@@ -8888,6 +9234,131 @@
           <a:p>
             <a:r>
               <a:rPr lang="en-US" dirty="0"/>
+              <a:t>Views</a:t>
+            </a:r>
+          </a:p>
+          <a:p>
+            <a:r>
+              <a:rPr lang="en-US" dirty="0"/>
+              <a:t>Triggers</a:t>
+            </a:r>
+          </a:p>
+          <a:p>
+            <a:r>
+              <a:rPr lang="en-US" dirty="0"/>
+              <a:t>Testing</a:t>
+            </a:r>
+          </a:p>
+          <a:p>
+            <a:r>
+              <a:rPr lang="en-US" dirty="0"/>
+              <a:t>GitHub</a:t>
+            </a:r>
+          </a:p>
+          <a:p>
+            <a:endParaRPr lang="en-US" dirty="0"/>
+          </a:p>
+        </p:txBody>
+      </p:sp>
+    </p:spTree>
+    <p:extLst>
+      <p:ext uri="{BB962C8B-B14F-4D97-AF65-F5344CB8AC3E}">
+        <p14:creationId xmlns:p14="http://schemas.microsoft.com/office/powerpoint/2010/main" val="1529358377"/>
+      </p:ext>
+    </p:extLst>
+  </p:cSld>
+  <p:clrMapOvr>
+    <a:masterClrMapping/>
+  </p:clrMapOvr>
+</p:sld>
+</file>
+
+<file path=ppt/slides/slide26.xml><?xml version="1.0" encoding="utf-8"?>
+<p:sld xmlns:a="http://schemas.openxmlformats.org/drawingml/2006/main" xmlns:r="http://schemas.openxmlformats.org/officeDocument/2006/relationships" xmlns:p="http://schemas.openxmlformats.org/presentationml/2006/main">
+  <p:cSld>
+    <p:spTree>
+      <p:nvGrpSpPr>
+        <p:cNvPr id="1" name=""/>
+        <p:cNvGrpSpPr/>
+        <p:nvPr/>
+      </p:nvGrpSpPr>
+      <p:grpSpPr>
+        <a:xfrm>
+          <a:off x="0" y="0"/>
+          <a:ext cx="0" cy="0"/>
+          <a:chOff x="0" y="0"/>
+          <a:chExt cx="0" cy="0"/>
+        </a:xfrm>
+      </p:grpSpPr>
+      <p:sp>
+        <p:nvSpPr>
+          <p:cNvPr id="2" name="Title 1">
+            <a:extLst>
+              <a:ext uri="{FF2B5EF4-FFF2-40B4-BE49-F238E27FC236}">
+                <a16:creationId xmlns:a16="http://schemas.microsoft.com/office/drawing/2014/main" id="{586EE84C-5B5A-312E-9AC2-3EA9E114A010}"/>
+              </a:ext>
+            </a:extLst>
+          </p:cNvPr>
+          <p:cNvSpPr>
+            <a:spLocks noGrp="1"/>
+          </p:cNvSpPr>
+          <p:nvPr>
+            <p:ph type="title"/>
+          </p:nvPr>
+        </p:nvSpPr>
+        <p:spPr/>
+        <p:txBody>
+          <a:bodyPr/>
+          <a:lstStyle/>
+          <a:p>
+            <a:r>
+              <a:rPr lang="en-US" dirty="0"/>
+              <a:t>Soumya Rayappanor</a:t>
+            </a:r>
+          </a:p>
+        </p:txBody>
+      </p:sp>
+      <p:sp>
+        <p:nvSpPr>
+          <p:cNvPr id="3" name="Content Placeholder 2">
+            <a:extLst>
+              <a:ext uri="{FF2B5EF4-FFF2-40B4-BE49-F238E27FC236}">
+                <a16:creationId xmlns:a16="http://schemas.microsoft.com/office/drawing/2014/main" id="{4B72E09A-8FF7-D099-1804-AB337BDDE5F8}"/>
+              </a:ext>
+            </a:extLst>
+          </p:cNvPr>
+          <p:cNvSpPr>
+            <a:spLocks noGrp="1"/>
+          </p:cNvSpPr>
+          <p:nvPr>
+            <p:ph idx="1"/>
+          </p:nvPr>
+        </p:nvSpPr>
+        <p:spPr/>
+        <p:txBody>
+          <a:bodyPr/>
+          <a:lstStyle/>
+          <a:p>
+            <a:r>
+              <a:rPr lang="en-US" dirty="0"/>
+              <a:t>Table creation and inserting data </a:t>
+            </a:r>
+          </a:p>
+          <a:p>
+            <a:r>
+              <a:rPr lang="en-US" dirty="0"/>
+              <a:t>Sequences</a:t>
+            </a:r>
+          </a:p>
+          <a:p>
+            <a:r>
+              <a:rPr lang="en-US" dirty="0"/>
+              <a:t>Procedures</a:t>
+            </a:r>
+          </a:p>
+          <a:p>
+            <a:r>
+              <a:rPr lang="en-US" dirty="0"/>
               <a:t>Packages</a:t>
             </a:r>
           </a:p>
@@ -8896,6 +9367,27 @@
               <a:rPr lang="en-US" dirty="0"/>
               <a:t>Implementing Security</a:t>
             </a:r>
+          </a:p>
+          <a:p>
+            <a:r>
+              <a:rPr lang="en-US" dirty="0"/>
+              <a:t>Creating User Roles </a:t>
+            </a:r>
+          </a:p>
+          <a:p>
+            <a:r>
+              <a:rPr lang="en-US" dirty="0"/>
+              <a:t>Security</a:t>
+            </a:r>
+          </a:p>
+          <a:p>
+            <a:r>
+              <a:rPr lang="en-US" dirty="0"/>
+              <a:t>Testing</a:t>
+            </a:r>
+          </a:p>
+          <a:p>
+            <a:endParaRPr lang="en-US" dirty="0"/>
           </a:p>
         </p:txBody>
       </p:sp>
@@ -8912,7 +9404,7 @@
 </p:sld>
 </file>
 
-<file path=ppt/slides/slide25.xml><?xml version="1.0" encoding="utf-8"?>
+<file path=ppt/slides/slide27.xml><?xml version="1.0" encoding="utf-8"?>
 <p:sld xmlns:a="http://schemas.openxmlformats.org/drawingml/2006/main" xmlns:r="http://schemas.openxmlformats.org/officeDocument/2006/relationships" xmlns:p="http://schemas.openxmlformats.org/presentationml/2006/main">
   <p:cSld>
     <p:bg>
@@ -9285,10 +9777,368 @@
   <p:clrMapOvr>
     <a:masterClrMapping/>
   </p:clrMapOvr>
+  <mc:AlternateContent xmlns:mc="http://schemas.openxmlformats.org/markup-compatibility/2006">
+    <mc:Choice xmlns:p14="http://schemas.microsoft.com/office/powerpoint/2010/main" Requires="p14">
+      <p:transition spd="slow" p14:dur="1300">
+        <p14:pan dir="u"/>
+      </p:transition>
+    </mc:Choice>
+    <mc:Fallback>
+      <p:transition spd="slow">
+        <p:fade/>
+      </p:transition>
+    </mc:Fallback>
+  </mc:AlternateContent>
 </p:sld>
 </file>
 
 <file path=ppt/slides/slide4.xml><?xml version="1.0" encoding="utf-8"?>
+<p:sld xmlns:a="http://schemas.openxmlformats.org/drawingml/2006/main" xmlns:r="http://schemas.openxmlformats.org/officeDocument/2006/relationships" xmlns:p="http://schemas.openxmlformats.org/presentationml/2006/main">
+  <p:cSld>
+    <p:bg>
+      <p:bgPr>
+        <a:solidFill>
+          <a:schemeClr val="bg1"/>
+        </a:solidFill>
+        <a:effectLst/>
+      </p:bgPr>
+    </p:bg>
+    <p:spTree>
+      <p:nvGrpSpPr>
+        <p:cNvPr id="1" name="Shape 82"/>
+        <p:cNvGrpSpPr/>
+        <p:nvPr/>
+      </p:nvGrpSpPr>
+      <p:grpSpPr>
+        <a:xfrm>
+          <a:off x="0" y="0"/>
+          <a:ext cx="0" cy="0"/>
+          <a:chOff x="0" y="0"/>
+          <a:chExt cx="0" cy="0"/>
+        </a:xfrm>
+      </p:grpSpPr>
+      <p:sp>
+        <p:nvSpPr>
+          <p:cNvPr id="88" name="Rectangle 87">
+            <a:extLst>
+              <a:ext uri="{FF2B5EF4-FFF2-40B4-BE49-F238E27FC236}">
+                <a16:creationId xmlns:a16="http://schemas.microsoft.com/office/drawing/2014/main" id="{3EDD119B-6BFA-4C3F-90CE-97DAFD604ECC}"/>
+              </a:ext>
+              <a:ext uri="{C183D7F6-B498-43B3-948B-1728B52AA6E4}">
+                <adec:decorative xmlns:adec="http://schemas.microsoft.com/office/drawing/2017/decorative" val="1"/>
+              </a:ext>
+            </a:extLst>
+          </p:cNvPr>
+          <p:cNvSpPr>
+            <a:spLocks noGrp="1" noRot="1" noChangeAspect="1" noMove="1" noResize="1" noEditPoints="1" noAdjustHandles="1" noChangeArrowheads="1" noChangeShapeType="1" noTextEdit="1"/>
+          </p:cNvSpPr>
+          <p:nvPr>
+            <p:extLst>
+              <p:ext uri="{386F3935-93C4-4BCD-93E2-E3B085C9AB24}">
+                <p16:designElem xmlns:p16="http://schemas.microsoft.com/office/powerpoint/2015/main" val="1"/>
+              </p:ext>
+            </p:extLst>
+          </p:nvPr>
+        </p:nvSpPr>
+        <p:spPr bwMode="ltGray">
+          <a:xfrm>
+            <a:off x="241173" y="240030"/>
+            <a:ext cx="8661654" cy="4663440"/>
+          </a:xfrm>
+          <a:prstGeom prst="rect">
+            <a:avLst/>
+          </a:prstGeom>
+          <a:solidFill>
+            <a:schemeClr val="tx1">
+              <a:lumMod val="75000"/>
+              <a:lumOff val="25000"/>
+            </a:schemeClr>
+          </a:solidFill>
+          <a:ln w="127000" cap="sq" cmpd="thinThick">
+            <a:noFill/>
+          </a:ln>
+        </p:spPr>
+        <p:style>
+          <a:lnRef idx="2">
+            <a:schemeClr val="accent1">
+              <a:shade val="50000"/>
+            </a:schemeClr>
+          </a:lnRef>
+          <a:fillRef idx="1">
+            <a:schemeClr val="accent1"/>
+          </a:fillRef>
+          <a:effectRef idx="0">
+            <a:schemeClr val="accent1"/>
+          </a:effectRef>
+          <a:fontRef idx="minor">
+            <a:schemeClr val="lt1"/>
+          </a:fontRef>
+        </p:style>
+        <p:txBody>
+          <a:bodyPr rtlCol="0" anchor="ctr"/>
+          <a:lstStyle/>
+          <a:p>
+            <a:pPr algn="ctr"/>
+            <a:endParaRPr lang="en-US"/>
+          </a:p>
+        </p:txBody>
+      </p:sp>
+      <p:sp>
+        <p:nvSpPr>
+          <p:cNvPr id="83" name="Google Shape;83;p15"/>
+          <p:cNvSpPr txBox="1">
+            <a:spLocks noGrp="1"/>
+          </p:cNvSpPr>
+          <p:nvPr>
+            <p:ph type="title"/>
+          </p:nvPr>
+        </p:nvSpPr>
+        <p:spPr>
+          <a:xfrm>
+            <a:off x="768096" y="723899"/>
+            <a:ext cx="5074558" cy="3695701"/>
+          </a:xfrm>
+          <a:prstGeom prst="rect">
+            <a:avLst/>
+          </a:prstGeom>
+        </p:spPr>
+        <p:txBody>
+          <a:bodyPr spcFirstLastPara="1" vert="horz" lIns="91440" tIns="45720" rIns="91440" bIns="45720" rtlCol="0" anchor="ctr" anchorCtr="0">
+            <a:normAutofit/>
+          </a:bodyPr>
+          <a:lstStyle/>
+          <a:p>
+            <a:pPr marL="0" lvl="0" indent="0" algn="r" defTabSz="914400">
+              <a:spcBef>
+                <a:spcPct val="0"/>
+              </a:spcBef>
+              <a:spcAft>
+                <a:spcPts val="0"/>
+              </a:spcAft>
+            </a:pPr>
+            <a:r>
+              <a:rPr lang="en-US" kern="1200" dirty="0">
+                <a:solidFill>
+                  <a:schemeClr val="bg1"/>
+                </a:solidFill>
+                <a:latin typeface="+mj-lt"/>
+                <a:ea typeface="+mj-ea"/>
+                <a:cs typeface="+mj-cs"/>
+              </a:rPr>
+              <a:t>Network Provider Database Management System Design</a:t>
+            </a:r>
+          </a:p>
+        </p:txBody>
+      </p:sp>
+      <p:cxnSp>
+        <p:nvCxnSpPr>
+          <p:cNvPr id="90" name="Straight Connector 89">
+            <a:extLst>
+              <a:ext uri="{FF2B5EF4-FFF2-40B4-BE49-F238E27FC236}">
+                <a16:creationId xmlns:a16="http://schemas.microsoft.com/office/drawing/2014/main" id="{DC1572D0-F0FD-4D84-8F82-DC59140EB9BB}"/>
+              </a:ext>
+              <a:ext uri="{C183D7F6-B498-43B3-948B-1728B52AA6E4}">
+                <adec:decorative xmlns:adec="http://schemas.microsoft.com/office/drawing/2017/decorative" val="1"/>
+              </a:ext>
+            </a:extLst>
+          </p:cNvPr>
+          <p:cNvCxnSpPr>
+            <a:cxnSpLocks noGrp="1" noRot="1" noChangeAspect="1" noMove="1" noResize="1" noEditPoints="1" noAdjustHandles="1" noChangeArrowheads="1" noChangeShapeType="1"/>
+          </p:cNvCxnSpPr>
+          <p:nvPr>
+            <p:extLst>
+              <p:ext uri="{386F3935-93C4-4BCD-93E2-E3B085C9AB24}">
+                <p16:designElem xmlns:p16="http://schemas.microsoft.com/office/powerpoint/2015/main" val="1"/>
+              </p:ext>
+            </p:extLst>
+          </p:nvPr>
+        </p:nvCxnSpPr>
+        <p:spPr>
+          <a:xfrm>
+            <a:off x="6103620" y="1543049"/>
+            <a:ext cx="0" cy="2057400"/>
+          </a:xfrm>
+          <a:prstGeom prst="line">
+            <a:avLst/>
+          </a:prstGeom>
+          <a:ln w="19050">
+            <a:solidFill>
+              <a:schemeClr val="bg1"/>
+            </a:solidFill>
+          </a:ln>
+        </p:spPr>
+        <p:style>
+          <a:lnRef idx="1">
+            <a:schemeClr val="accent1"/>
+          </a:lnRef>
+          <a:fillRef idx="0">
+            <a:schemeClr val="accent1"/>
+          </a:fillRef>
+          <a:effectRef idx="0">
+            <a:schemeClr val="accent1"/>
+          </a:effectRef>
+          <a:fontRef idx="minor">
+            <a:schemeClr val="tx1"/>
+          </a:fontRef>
+        </p:style>
+      </p:cxnSp>
+    </p:spTree>
+    <p:extLst>
+      <p:ext uri="{BB962C8B-B14F-4D97-AF65-F5344CB8AC3E}">
+        <p14:creationId xmlns:p14="http://schemas.microsoft.com/office/powerpoint/2010/main" val="631699076"/>
+      </p:ext>
+    </p:extLst>
+  </p:cSld>
+  <p:clrMapOvr>
+    <a:masterClrMapping/>
+  </p:clrMapOvr>
+  <p:timing>
+    <p:tnLst>
+      <p:par>
+        <p:cTn id="1" dur="indefinite" restart="never" nodeType="tmRoot">
+          <p:childTnLst>
+            <p:seq concurrent="1" nextAc="seek">
+              <p:cTn id="2" dur="indefinite" nodeType="mainSeq">
+                <p:childTnLst>
+                  <p:par>
+                    <p:cTn id="3" fill="hold">
+                      <p:stCondLst>
+                        <p:cond delay="indefinite"/>
+                      </p:stCondLst>
+                      <p:childTnLst>
+                        <p:par>
+                          <p:cTn id="4" fill="hold">
+                            <p:stCondLst>
+                              <p:cond delay="0"/>
+                            </p:stCondLst>
+                            <p:childTnLst>
+                              <p:par>
+                                <p:cTn id="5" presetID="10" presetClass="entr" presetSubtype="0" fill="hold" nodeType="clickEffect">
+                                  <p:stCondLst>
+                                    <p:cond delay="0"/>
+                                  </p:stCondLst>
+                                  <p:childTnLst>
+                                    <p:set>
+                                      <p:cBhvr>
+                                        <p:cTn id="6" dur="1" fill="hold">
+                                          <p:stCondLst>
+                                            <p:cond delay="0"/>
+                                          </p:stCondLst>
+                                        </p:cTn>
+                                        <p:tgtEl>
+                                          <p:spTgt spid="83"/>
+                                        </p:tgtEl>
+                                        <p:attrNameLst>
+                                          <p:attrName>style.visibility</p:attrName>
+                                        </p:attrNameLst>
+                                      </p:cBhvr>
+                                      <p:to>
+                                        <p:strVal val="visible"/>
+                                      </p:to>
+                                    </p:set>
+                                    <p:animEffect transition="in" filter="fade">
+                                      <p:cBhvr>
+                                        <p:cTn id="7" dur="500"/>
+                                        <p:tgtEl>
+                                          <p:spTgt spid="83"/>
+                                        </p:tgtEl>
+                                      </p:cBhvr>
+                                    </p:animEffect>
+                                  </p:childTnLst>
+                                </p:cTn>
+                              </p:par>
+                            </p:childTnLst>
+                          </p:cTn>
+                        </p:par>
+                      </p:childTnLst>
+                    </p:cTn>
+                  </p:par>
+                </p:childTnLst>
+              </p:cTn>
+              <p:prevCondLst>
+                <p:cond evt="onPrev" delay="0">
+                  <p:tgtEl>
+                    <p:sldTgt/>
+                  </p:tgtEl>
+                </p:cond>
+              </p:prevCondLst>
+              <p:nextCondLst>
+                <p:cond evt="onNext" delay="0">
+                  <p:tgtEl>
+                    <p:sldTgt/>
+                  </p:tgtEl>
+                </p:cond>
+              </p:nextCondLst>
+            </p:seq>
+          </p:childTnLst>
+        </p:cTn>
+      </p:par>
+    </p:tnLst>
+  </p:timing>
+</p:sld>
+</file>
+
+<file path=ppt/slides/slide5.xml><?xml version="1.0" encoding="utf-8"?>
+<p:sld xmlns:a="http://schemas.openxmlformats.org/drawingml/2006/main" xmlns:r="http://schemas.openxmlformats.org/officeDocument/2006/relationships" xmlns:p="http://schemas.openxmlformats.org/presentationml/2006/main">
+  <p:cSld>
+    <p:spTree>
+      <p:nvGrpSpPr>
+        <p:cNvPr id="1" name=""/>
+        <p:cNvGrpSpPr/>
+        <p:nvPr/>
+      </p:nvGrpSpPr>
+      <p:grpSpPr>
+        <a:xfrm>
+          <a:off x="0" y="0"/>
+          <a:ext cx="0" cy="0"/>
+          <a:chOff x="0" y="0"/>
+          <a:chExt cx="0" cy="0"/>
+        </a:xfrm>
+      </p:grpSpPr>
+      <p:pic>
+        <p:nvPicPr>
+          <p:cNvPr id="3" name="Picture 2">
+            <a:extLst>
+              <a:ext uri="{FF2B5EF4-FFF2-40B4-BE49-F238E27FC236}">
+                <a16:creationId xmlns:a16="http://schemas.microsoft.com/office/drawing/2014/main" id="{B7BD223A-89F3-162A-BA13-2B93B513E98D}"/>
+              </a:ext>
+            </a:extLst>
+          </p:cNvPr>
+          <p:cNvPicPr>
+            <a:picLocks noChangeAspect="1"/>
+          </p:cNvPicPr>
+          <p:nvPr/>
+        </p:nvPicPr>
+        <p:blipFill>
+          <a:blip r:embed="rId2"/>
+          <a:stretch>
+            <a:fillRect/>
+          </a:stretch>
+        </p:blipFill>
+        <p:spPr>
+          <a:xfrm>
+            <a:off x="685800" y="320256"/>
+            <a:ext cx="7772400" cy="4502988"/>
+          </a:xfrm>
+          <a:prstGeom prst="rect">
+            <a:avLst/>
+          </a:prstGeom>
+        </p:spPr>
+      </p:pic>
+    </p:spTree>
+    <p:extLst>
+      <p:ext uri="{BB962C8B-B14F-4D97-AF65-F5344CB8AC3E}">
+        <p14:creationId xmlns:p14="http://schemas.microsoft.com/office/powerpoint/2010/main" val="3253357845"/>
+      </p:ext>
+    </p:extLst>
+  </p:cSld>
+  <p:clrMapOvr>
+    <a:masterClrMapping/>
+  </p:clrMapOvr>
+</p:sld>
+</file>
+
+<file path=ppt/slides/slide6.xml><?xml version="1.0" encoding="utf-8"?>
 <p:sld xmlns:a="http://schemas.openxmlformats.org/drawingml/2006/main" xmlns:r="http://schemas.openxmlformats.org/officeDocument/2006/relationships" xmlns:p="http://schemas.openxmlformats.org/presentationml/2006/main">
   <p:cSld>
     <p:bg>
@@ -9579,7 +10429,7 @@
 </p:sld>
 </file>
 
-<file path=ppt/slides/slide5.xml><?xml version="1.0" encoding="utf-8"?>
+<file path=ppt/slides/slide7.xml><?xml version="1.0" encoding="utf-8"?>
 <p:sld xmlns:a="http://schemas.openxmlformats.org/drawingml/2006/main" xmlns:r="http://schemas.openxmlformats.org/officeDocument/2006/relationships" xmlns:p="http://schemas.openxmlformats.org/presentationml/2006/main">
   <p:cSld>
     <p:spTree>
@@ -9980,7 +10830,7 @@
 </p:sld>
 </file>
 
-<file path=ppt/slides/slide6.xml><?xml version="1.0" encoding="utf-8"?>
+<file path=ppt/slides/slide8.xml><?xml version="1.0" encoding="utf-8"?>
 <p:sld xmlns:a="http://schemas.openxmlformats.org/drawingml/2006/main" xmlns:r="http://schemas.openxmlformats.org/officeDocument/2006/relationships" xmlns:p="http://schemas.openxmlformats.org/presentationml/2006/main">
   <p:cSld>
     <p:spTree>
@@ -10450,7 +11300,7 @@
 </p:sld>
 </file>
 
-<file path=ppt/slides/slide7.xml><?xml version="1.0" encoding="utf-8"?>
+<file path=ppt/slides/slide9.xml><?xml version="1.0" encoding="utf-8"?>
 <p:sld xmlns:a="http://schemas.openxmlformats.org/drawingml/2006/main" xmlns:r="http://schemas.openxmlformats.org/officeDocument/2006/relationships" xmlns:p="http://schemas.openxmlformats.org/presentationml/2006/main">
   <p:cSld>
     <p:bg>
@@ -10738,357 +11588,6 @@
       </p:par>
     </p:tnLst>
   </p:timing>
-</p:sld>
-</file>
-
-<file path=ppt/slides/slide8.xml><?xml version="1.0" encoding="utf-8"?>
-<p:sld xmlns:a="http://schemas.openxmlformats.org/drawingml/2006/main" xmlns:r="http://schemas.openxmlformats.org/officeDocument/2006/relationships" xmlns:p="http://schemas.openxmlformats.org/presentationml/2006/main">
-  <p:cSld>
-    <p:bg>
-      <p:bgPr>
-        <a:solidFill>
-          <a:schemeClr val="bg1"/>
-        </a:solidFill>
-        <a:effectLst/>
-      </p:bgPr>
-    </p:bg>
-    <p:spTree>
-      <p:nvGrpSpPr>
-        <p:cNvPr id="1" name="Shape 82"/>
-        <p:cNvGrpSpPr/>
-        <p:nvPr/>
-      </p:nvGrpSpPr>
-      <p:grpSpPr>
-        <a:xfrm>
-          <a:off x="0" y="0"/>
-          <a:ext cx="0" cy="0"/>
-          <a:chOff x="0" y="0"/>
-          <a:chExt cx="0" cy="0"/>
-        </a:xfrm>
-      </p:grpSpPr>
-      <p:sp>
-        <p:nvSpPr>
-          <p:cNvPr id="88" name="Rectangle 87">
-            <a:extLst>
-              <a:ext uri="{FF2B5EF4-FFF2-40B4-BE49-F238E27FC236}">
-                <a16:creationId xmlns:a16="http://schemas.microsoft.com/office/drawing/2014/main" id="{3EDD119B-6BFA-4C3F-90CE-97DAFD604ECC}"/>
-              </a:ext>
-              <a:ext uri="{C183D7F6-B498-43B3-948B-1728B52AA6E4}">
-                <adec:decorative xmlns:adec="http://schemas.microsoft.com/office/drawing/2017/decorative" val="1"/>
-              </a:ext>
-            </a:extLst>
-          </p:cNvPr>
-          <p:cNvSpPr>
-            <a:spLocks noGrp="1" noRot="1" noChangeAspect="1" noMove="1" noResize="1" noEditPoints="1" noAdjustHandles="1" noChangeArrowheads="1" noChangeShapeType="1" noTextEdit="1"/>
-          </p:cNvSpPr>
-          <p:nvPr>
-            <p:extLst>
-              <p:ext uri="{386F3935-93C4-4BCD-93E2-E3B085C9AB24}">
-                <p16:designElem xmlns:p16="http://schemas.microsoft.com/office/powerpoint/2015/main" val="1"/>
-              </p:ext>
-            </p:extLst>
-          </p:nvPr>
-        </p:nvSpPr>
-        <p:spPr bwMode="ltGray">
-          <a:xfrm>
-            <a:off x="241173" y="240030"/>
-            <a:ext cx="8661654" cy="4663440"/>
-          </a:xfrm>
-          <a:prstGeom prst="rect">
-            <a:avLst/>
-          </a:prstGeom>
-          <a:solidFill>
-            <a:schemeClr val="tx1">
-              <a:lumMod val="75000"/>
-              <a:lumOff val="25000"/>
-            </a:schemeClr>
-          </a:solidFill>
-          <a:ln w="127000" cap="sq" cmpd="thinThick">
-            <a:noFill/>
-          </a:ln>
-        </p:spPr>
-        <p:style>
-          <a:lnRef idx="2">
-            <a:schemeClr val="accent1">
-              <a:shade val="50000"/>
-            </a:schemeClr>
-          </a:lnRef>
-          <a:fillRef idx="1">
-            <a:schemeClr val="accent1"/>
-          </a:fillRef>
-          <a:effectRef idx="0">
-            <a:schemeClr val="accent1"/>
-          </a:effectRef>
-          <a:fontRef idx="minor">
-            <a:schemeClr val="lt1"/>
-          </a:fontRef>
-        </p:style>
-        <p:txBody>
-          <a:bodyPr rtlCol="0" anchor="ctr"/>
-          <a:lstStyle/>
-          <a:p>
-            <a:pPr algn="ctr"/>
-            <a:endParaRPr lang="en-US"/>
-          </a:p>
-        </p:txBody>
-      </p:sp>
-      <p:sp>
-        <p:nvSpPr>
-          <p:cNvPr id="83" name="Google Shape;83;p15"/>
-          <p:cNvSpPr txBox="1">
-            <a:spLocks noGrp="1"/>
-          </p:cNvSpPr>
-          <p:nvPr>
-            <p:ph type="title"/>
-          </p:nvPr>
-        </p:nvSpPr>
-        <p:spPr>
-          <a:xfrm>
-            <a:off x="768096" y="723899"/>
-            <a:ext cx="5074558" cy="3695701"/>
-          </a:xfrm>
-          <a:prstGeom prst="rect">
-            <a:avLst/>
-          </a:prstGeom>
-        </p:spPr>
-        <p:txBody>
-          <a:bodyPr spcFirstLastPara="1" vert="horz" lIns="91440" tIns="45720" rIns="91440" bIns="45720" rtlCol="0" anchor="ctr" anchorCtr="0">
-            <a:normAutofit/>
-          </a:bodyPr>
-          <a:lstStyle/>
-          <a:p>
-            <a:pPr marL="0" lvl="0" indent="0" algn="r" defTabSz="914400">
-              <a:spcBef>
-                <a:spcPct val="0"/>
-              </a:spcBef>
-              <a:spcAft>
-                <a:spcPts val="0"/>
-              </a:spcAft>
-            </a:pPr>
-            <a:r>
-              <a:rPr lang="en-US" dirty="0">
-                <a:solidFill>
-                  <a:schemeClr val="bg1"/>
-                </a:solidFill>
-              </a:rPr>
-              <a:t>Tables</a:t>
-            </a:r>
-            <a:endParaRPr lang="en-US" kern="1200" dirty="0">
-              <a:solidFill>
-                <a:schemeClr val="bg1"/>
-              </a:solidFill>
-              <a:latin typeface="+mj-lt"/>
-              <a:ea typeface="+mj-ea"/>
-              <a:cs typeface="+mj-cs"/>
-            </a:endParaRPr>
-          </a:p>
-        </p:txBody>
-      </p:sp>
-      <p:cxnSp>
-        <p:nvCxnSpPr>
-          <p:cNvPr id="90" name="Straight Connector 89">
-            <a:extLst>
-              <a:ext uri="{FF2B5EF4-FFF2-40B4-BE49-F238E27FC236}">
-                <a16:creationId xmlns:a16="http://schemas.microsoft.com/office/drawing/2014/main" id="{DC1572D0-F0FD-4D84-8F82-DC59140EB9BB}"/>
-              </a:ext>
-              <a:ext uri="{C183D7F6-B498-43B3-948B-1728B52AA6E4}">
-                <adec:decorative xmlns:adec="http://schemas.microsoft.com/office/drawing/2017/decorative" val="1"/>
-              </a:ext>
-            </a:extLst>
-          </p:cNvPr>
-          <p:cNvCxnSpPr>
-            <a:cxnSpLocks noGrp="1" noRot="1" noChangeAspect="1" noMove="1" noResize="1" noEditPoints="1" noAdjustHandles="1" noChangeArrowheads="1" noChangeShapeType="1"/>
-          </p:cNvCxnSpPr>
-          <p:nvPr>
-            <p:extLst>
-              <p:ext uri="{386F3935-93C4-4BCD-93E2-E3B085C9AB24}">
-                <p16:designElem xmlns:p16="http://schemas.microsoft.com/office/powerpoint/2015/main" val="1"/>
-              </p:ext>
-            </p:extLst>
-          </p:nvPr>
-        </p:nvCxnSpPr>
-        <p:spPr>
-          <a:xfrm>
-            <a:off x="6103620" y="1543049"/>
-            <a:ext cx="0" cy="2057400"/>
-          </a:xfrm>
-          <a:prstGeom prst="line">
-            <a:avLst/>
-          </a:prstGeom>
-          <a:ln w="19050">
-            <a:solidFill>
-              <a:schemeClr val="bg1"/>
-            </a:solidFill>
-          </a:ln>
-        </p:spPr>
-        <p:style>
-          <a:lnRef idx="1">
-            <a:schemeClr val="accent1"/>
-          </a:lnRef>
-          <a:fillRef idx="0">
-            <a:schemeClr val="accent1"/>
-          </a:fillRef>
-          <a:effectRef idx="0">
-            <a:schemeClr val="accent1"/>
-          </a:effectRef>
-          <a:fontRef idx="minor">
-            <a:schemeClr val="tx1"/>
-          </a:fontRef>
-        </p:style>
-      </p:cxnSp>
-    </p:spTree>
-    <p:extLst>
-      <p:ext uri="{BB962C8B-B14F-4D97-AF65-F5344CB8AC3E}">
-        <p14:creationId xmlns:p14="http://schemas.microsoft.com/office/powerpoint/2010/main" val="2507007083"/>
-      </p:ext>
-    </p:extLst>
-  </p:cSld>
-  <p:clrMapOvr>
-    <a:masterClrMapping/>
-  </p:clrMapOvr>
-  <p:timing>
-    <p:tnLst>
-      <p:par>
-        <p:cTn id="1" dur="indefinite" restart="never" nodeType="tmRoot">
-          <p:childTnLst>
-            <p:seq concurrent="1" nextAc="seek">
-              <p:cTn id="2" dur="indefinite" nodeType="mainSeq">
-                <p:childTnLst>
-                  <p:par>
-                    <p:cTn id="3" fill="hold">
-                      <p:stCondLst>
-                        <p:cond delay="indefinite"/>
-                      </p:stCondLst>
-                      <p:childTnLst>
-                        <p:par>
-                          <p:cTn id="4" fill="hold">
-                            <p:stCondLst>
-                              <p:cond delay="0"/>
-                            </p:stCondLst>
-                            <p:childTnLst>
-                              <p:par>
-                                <p:cTn id="5" presetID="10" presetClass="entr" presetSubtype="0" fill="hold" nodeType="clickEffect">
-                                  <p:stCondLst>
-                                    <p:cond delay="0"/>
-                                  </p:stCondLst>
-                                  <p:childTnLst>
-                                    <p:set>
-                                      <p:cBhvr>
-                                        <p:cTn id="6" dur="1" fill="hold">
-                                          <p:stCondLst>
-                                            <p:cond delay="0"/>
-                                          </p:stCondLst>
-                                        </p:cTn>
-                                        <p:tgtEl>
-                                          <p:spTgt spid="83"/>
-                                        </p:tgtEl>
-                                        <p:attrNameLst>
-                                          <p:attrName>style.visibility</p:attrName>
-                                        </p:attrNameLst>
-                                      </p:cBhvr>
-                                      <p:to>
-                                        <p:strVal val="visible"/>
-                                      </p:to>
-                                    </p:set>
-                                    <p:animEffect transition="in" filter="fade">
-                                      <p:cBhvr>
-                                        <p:cTn id="7" dur="500"/>
-                                        <p:tgtEl>
-                                          <p:spTgt spid="83"/>
-                                        </p:tgtEl>
-                                      </p:cBhvr>
-                                    </p:animEffect>
-                                  </p:childTnLst>
-                                </p:cTn>
-                              </p:par>
-                            </p:childTnLst>
-                          </p:cTn>
-                        </p:par>
-                      </p:childTnLst>
-                    </p:cTn>
-                  </p:par>
-                </p:childTnLst>
-              </p:cTn>
-              <p:prevCondLst>
-                <p:cond evt="onPrev" delay="0">
-                  <p:tgtEl>
-                    <p:sldTgt/>
-                  </p:tgtEl>
-                </p:cond>
-              </p:prevCondLst>
-              <p:nextCondLst>
-                <p:cond evt="onNext" delay="0">
-                  <p:tgtEl>
-                    <p:sldTgt/>
-                  </p:tgtEl>
-                </p:cond>
-              </p:nextCondLst>
-            </p:seq>
-          </p:childTnLst>
-        </p:cTn>
-      </p:par>
-    </p:tnLst>
-  </p:timing>
-</p:sld>
-</file>
-
-<file path=ppt/slides/slide9.xml><?xml version="1.0" encoding="utf-8"?>
-<p:sld xmlns:a="http://schemas.openxmlformats.org/drawingml/2006/main" xmlns:r="http://schemas.openxmlformats.org/officeDocument/2006/relationships" xmlns:p="http://schemas.openxmlformats.org/presentationml/2006/main">
-  <p:cSld>
-    <p:spTree>
-      <p:nvGrpSpPr>
-        <p:cNvPr id="1" name=""/>
-        <p:cNvGrpSpPr/>
-        <p:nvPr/>
-      </p:nvGrpSpPr>
-      <p:grpSpPr>
-        <a:xfrm>
-          <a:off x="0" y="0"/>
-          <a:ext cx="0" cy="0"/>
-          <a:chOff x="0" y="0"/>
-          <a:chExt cx="0" cy="0"/>
-        </a:xfrm>
-      </p:grpSpPr>
-      <p:pic>
-        <p:nvPicPr>
-          <p:cNvPr id="4" name="Picture 3">
-            <a:extLst>
-              <a:ext uri="{FF2B5EF4-FFF2-40B4-BE49-F238E27FC236}">
-                <a16:creationId xmlns:a16="http://schemas.microsoft.com/office/drawing/2014/main" id="{A90F7861-D584-6369-41C0-2ED98112A818}"/>
-              </a:ext>
-            </a:extLst>
-          </p:cNvPr>
-          <p:cNvPicPr>
-            <a:picLocks noChangeAspect="1"/>
-          </p:cNvPicPr>
-          <p:nvPr/>
-        </p:nvPicPr>
-        <p:blipFill>
-          <a:blip r:embed="rId2"/>
-          <a:stretch>
-            <a:fillRect/>
-          </a:stretch>
-        </p:blipFill>
-        <p:spPr>
-          <a:xfrm>
-            <a:off x="1791586" y="1223187"/>
-            <a:ext cx="5560828" cy="2697126"/>
-          </a:xfrm>
-          <a:prstGeom prst="rect">
-            <a:avLst/>
-          </a:prstGeom>
-        </p:spPr>
-      </p:pic>
-    </p:spTree>
-    <p:extLst>
-      <p:ext uri="{BB962C8B-B14F-4D97-AF65-F5344CB8AC3E}">
-        <p14:creationId xmlns:p14="http://schemas.microsoft.com/office/powerpoint/2010/main" val="2664237272"/>
-      </p:ext>
-    </p:extLst>
-  </p:cSld>
-  <p:clrMapOvr>
-    <a:masterClrMapping/>
-  </p:clrMapOvr>
 </p:sld>
 </file>
 
